--- a/djangoISSSTE/static/ppt/balance_general.pptx
+++ b/djangoISSSTE/static/ppt/balance_general.pptx
@@ -6,6 +6,7 @@
   </p:sldMasterIdLst>
   <p:sldIdLst>
     <p:sldId id="257" r:id="rId2"/>
+    <p:sldId id="258" r:id="rId3"/>
   </p:sldIdLst>
   <p:sldSz cx="12192000" cy="6858000"/>
   <p:notesSz cx="6858000" cy="9144000"/>
@@ -106,7 +107,7 @@
   </p:defaultTextStyle>
   <p:extLst>
     <p:ext uri="{EFAFB233-063F-42B5-8137-9DF3F51BA10A}">
-      <p15:sldGuideLst xmlns:p15="http://schemas.microsoft.com/office/powerpoint/2012/main"/>
+      <p15:sldGuideLst xmlns="" xmlns:p15="http://schemas.microsoft.com/office/powerpoint/2012/main"/>
     </p:ext>
   </p:extLst>
 </p:presentation>
@@ -579,7 +580,7 @@
           <a:p>
             <a:fld id="{02329761-4139-EC4D-8014-1F5D651A2AAB}" type="datetimeFigureOut">
               <a:rPr lang="es-ES_tradnl" smtClean="0"/>
-              <a:t>13/05/2016</a:t>
+              <a:t>16/05/16</a:t>
             </a:fld>
             <a:endParaRPr lang="es-ES_tradnl"/>
           </a:p>
@@ -629,7 +630,7 @@
           <a:p>
             <a:fld id="{C5340882-AF97-6B4E-908F-056A5ABD283A}" type="slidenum">
               <a:rPr lang="es-ES_tradnl" smtClean="0"/>
-              <a:t>‹Nº›</a:t>
+              <a:t>‹Nr.›</a:t>
             </a:fld>
             <a:endParaRPr lang="es-ES_tradnl"/>
           </a:p>
@@ -775,7 +776,7 @@
           <a:p>
             <a:fld id="{02329761-4139-EC4D-8014-1F5D651A2AAB}" type="datetimeFigureOut">
               <a:rPr lang="es-ES_tradnl" smtClean="0"/>
-              <a:t>13/05/2016</a:t>
+              <a:t>16/05/16</a:t>
             </a:fld>
             <a:endParaRPr lang="es-ES_tradnl"/>
           </a:p>
@@ -825,7 +826,7 @@
           <a:p>
             <a:fld id="{C5340882-AF97-6B4E-908F-056A5ABD283A}" type="slidenum">
               <a:rPr lang="es-ES_tradnl" smtClean="0"/>
-              <a:t>‹Nº›</a:t>
+              <a:t>‹Nr.›</a:t>
             </a:fld>
             <a:endParaRPr lang="es-ES_tradnl"/>
           </a:p>
@@ -1339,7 +1340,7 @@
           <a:p>
             <a:fld id="{02329761-4139-EC4D-8014-1F5D651A2AAB}" type="datetimeFigureOut">
               <a:rPr lang="es-ES_tradnl" smtClean="0"/>
-              <a:t>13/05/2016</a:t>
+              <a:t>16/05/16</a:t>
             </a:fld>
             <a:endParaRPr lang="es-ES_tradnl"/>
           </a:p>
@@ -1389,7 +1390,7 @@
           <a:p>
             <a:fld id="{C5340882-AF97-6B4E-908F-056A5ABD283A}" type="slidenum">
               <a:rPr lang="es-ES_tradnl" smtClean="0"/>
-              <a:t>‹Nº›</a:t>
+              <a:t>‹Nr.›</a:t>
             </a:fld>
             <a:endParaRPr lang="es-ES_tradnl"/>
           </a:p>
@@ -1587,7 +1588,7 @@
           <a:p>
             <a:fld id="{02329761-4139-EC4D-8014-1F5D651A2AAB}" type="datetimeFigureOut">
               <a:rPr lang="es-ES_tradnl" smtClean="0"/>
-              <a:t>13/05/2016</a:t>
+              <a:t>16/05/16</a:t>
             </a:fld>
             <a:endParaRPr lang="es-ES_tradnl"/>
           </a:p>
@@ -1637,7 +1638,7 @@
           <a:p>
             <a:fld id="{C5340882-AF97-6B4E-908F-056A5ABD283A}" type="slidenum">
               <a:rPr lang="es-ES_tradnl" smtClean="0"/>
-              <a:t>‹Nº›</a:t>
+              <a:t>‹Nr.›</a:t>
             </a:fld>
             <a:endParaRPr lang="es-ES_tradnl"/>
           </a:p>
@@ -1970,7 +1971,7 @@
           <a:p>
             <a:fld id="{02329761-4139-EC4D-8014-1F5D651A2AAB}" type="datetimeFigureOut">
               <a:rPr lang="es-ES_tradnl" smtClean="0"/>
-              <a:t>13/05/2016</a:t>
+              <a:t>16/05/16</a:t>
             </a:fld>
             <a:endParaRPr lang="es-ES_tradnl"/>
           </a:p>
@@ -2020,7 +2021,7 @@
           <a:p>
             <a:fld id="{C5340882-AF97-6B4E-908F-056A5ABD283A}" type="slidenum">
               <a:rPr lang="es-ES_tradnl" smtClean="0"/>
-              <a:t>‹Nº›</a:t>
+              <a:t>‹Nr.›</a:t>
             </a:fld>
             <a:endParaRPr lang="es-ES_tradnl"/>
           </a:p>
@@ -2104,7 +2105,7 @@
           <a:p>
             <a:fld id="{02329761-4139-EC4D-8014-1F5D651A2AAB}" type="datetimeFigureOut">
               <a:rPr lang="es-ES_tradnl" smtClean="0"/>
-              <a:t>13/05/2016</a:t>
+              <a:t>16/05/16</a:t>
             </a:fld>
             <a:endParaRPr lang="es-ES_tradnl"/>
           </a:p>
@@ -2154,7 +2155,7 @@
           <a:p>
             <a:fld id="{C5340882-AF97-6B4E-908F-056A5ABD283A}" type="slidenum">
               <a:rPr lang="es-ES_tradnl" smtClean="0"/>
-              <a:t>‹Nº›</a:t>
+              <a:t>‹Nr.›</a:t>
             </a:fld>
             <a:endParaRPr lang="es-ES_tradnl"/>
           </a:p>
@@ -2215,7 +2216,7 @@
           <a:p>
             <a:fld id="{02329761-4139-EC4D-8014-1F5D651A2AAB}" type="datetimeFigureOut">
               <a:rPr lang="es-ES_tradnl" smtClean="0"/>
-              <a:t>13/05/2016</a:t>
+              <a:t>16/05/16</a:t>
             </a:fld>
             <a:endParaRPr lang="es-ES_tradnl"/>
           </a:p>
@@ -2265,7 +2266,7 @@
           <a:p>
             <a:fld id="{C5340882-AF97-6B4E-908F-056A5ABD283A}" type="slidenum">
               <a:rPr lang="es-ES_tradnl" smtClean="0"/>
-              <a:t>‹Nº›</a:t>
+              <a:t>‹Nr.›</a:t>
             </a:fld>
             <a:endParaRPr lang="es-ES_tradnl"/>
           </a:p>
@@ -2508,7 +2509,7 @@
           <a:p>
             <a:fld id="{02329761-4139-EC4D-8014-1F5D651A2AAB}" type="datetimeFigureOut">
               <a:rPr lang="es-ES_tradnl" smtClean="0"/>
-              <a:t>13/05/2016</a:t>
+              <a:t>16/05/16</a:t>
             </a:fld>
             <a:endParaRPr lang="es-ES_tradnl"/>
           </a:p>
@@ -2558,7 +2559,7 @@
           <a:p>
             <a:fld id="{C5340882-AF97-6B4E-908F-056A5ABD283A}" type="slidenum">
               <a:rPr lang="es-ES_tradnl" smtClean="0"/>
-              <a:t>‹Nº›</a:t>
+              <a:t>‹Nr.›</a:t>
             </a:fld>
             <a:endParaRPr lang="es-ES_tradnl"/>
           </a:p>
@@ -2777,7 +2778,7 @@
           <a:p>
             <a:fld id="{02329761-4139-EC4D-8014-1F5D651A2AAB}" type="datetimeFigureOut">
               <a:rPr lang="es-ES_tradnl" smtClean="0"/>
-              <a:t>13/05/2016</a:t>
+              <a:t>16/05/16</a:t>
             </a:fld>
             <a:endParaRPr lang="es-ES_tradnl"/>
           </a:p>
@@ -2827,7 +2828,7 @@
           <a:p>
             <a:fld id="{C5340882-AF97-6B4E-908F-056A5ABD283A}" type="slidenum">
               <a:rPr lang="es-ES_tradnl" smtClean="0"/>
-              <a:t>‹Nº›</a:t>
+              <a:t>‹Nr.›</a:t>
             </a:fld>
             <a:endParaRPr lang="es-ES_tradnl"/>
           </a:p>
@@ -3210,14 +3211,14 @@
           </a:ln>
           <a:effectLst/>
           <a:extLst>
-            <a:ext uri="{909E8E84-426E-40DD-AFC4-6F175D3DCCD1}">
+            <a:ext uri="{909E8E84-426E-40dd-AFC4-6F175D3DCCD1}">
               <a14:hiddenFill xmlns:a14="http://schemas.microsoft.com/office/drawing/2010/main">
                 <a:solidFill>
                   <a:schemeClr val="accent1"/>
                 </a:solidFill>
               </a14:hiddenFill>
             </a:ext>
-            <a:ext uri="{91240B29-F687-4F45-9708-019B960494DF}">
+            <a:ext uri="{91240B29-F687-4f45-9708-019B960494DF}">
               <a14:hiddenLine xmlns:a14="http://schemas.microsoft.com/office/drawing/2010/main" w="9525">
                 <a:solidFill>
                   <a:schemeClr val="tx1"/>
@@ -3227,7 +3228,7 @@
                 <a:tailEnd/>
               </a14:hiddenLine>
             </a:ext>
-            <a:ext uri="{AF507438-7753-43E0-B8FC-AC1667EBCBE1}">
+            <a:ext uri="{AF507438-7753-43e0-B8FC-AC1667EBCBE1}">
               <a14:hiddenEffects xmlns:a14="http://schemas.microsoft.com/office/drawing/2010/main">
                 <a:effectLst>
                   <a:outerShdw blurRad="63500" dist="38099" dir="2700000" algn="ctr" rotWithShape="0">
@@ -3583,14 +3584,14 @@
           <p:nvPr>
             <p:extLst>
               <p:ext uri="{D42A27DB-BD31-4B8C-83A1-F6EECF244321}">
-                <p14:modId xmlns:p14="http://schemas.microsoft.com/office/powerpoint/2010/main" val="3578227936"/>
+                <p14:modId xmlns:p14="http://schemas.microsoft.com/office/powerpoint/2010/main" val="2459639120"/>
               </p:ext>
             </p:extLst>
           </p:nvPr>
         </p:nvGraphicFramePr>
         <p:xfrm>
           <a:off x="3285826" y="2336224"/>
-          <a:ext cx="6096000" cy="3222298"/>
+          <a:ext cx="6886873" cy="3222297"/>
         </p:xfrm>
         <a:graphic>
           <a:graphicData uri="http://schemas.openxmlformats.org/drawingml/2006/table">
@@ -3599,9 +3600,10 @@
                 <a:tableStyleId>{2D5ABB26-0587-4C30-8999-92F81FD0307C}</a:tableStyleId>
               </a:tblPr>
               <a:tblGrid>
-                <a:gridCol w="2228603"/>
-                <a:gridCol w="1835397"/>
-                <a:gridCol w="2032000"/>
+                <a:gridCol w="1888300"/>
+                <a:gridCol w="1555137"/>
+                <a:gridCol w="1721718"/>
+                <a:gridCol w="1721718"/>
               </a:tblGrid>
               <a:tr h="282683">
                 <a:tc>
@@ -3740,6 +3742,71 @@
                           <a:latin typeface="Arial Narrow" panose="020B0606020202030204" pitchFamily="34" charset="0"/>
                         </a:rPr>
                         <a:t>Metas</a:t>
+                      </a:r>
+                      <a:endParaRPr lang="es-MX" sz="1400" b="1" dirty="0">
+                        <a:solidFill>
+                          <a:srgbClr val="008040"/>
+                        </a:solidFill>
+                        <a:latin typeface="Arial Narrow" panose="020B0606020202030204" pitchFamily="34" charset="0"/>
+                      </a:endParaRPr>
+                    </a:p>
+                  </a:txBody>
+                  <a:tcPr>
+                    <a:lnL w="38100" cap="flat" cmpd="sng" algn="ctr">
+                      <a:solidFill>
+                        <a:schemeClr val="bg1"/>
+                      </a:solidFill>
+                      <a:prstDash val="solid"/>
+                      <a:round/>
+                      <a:headEnd type="none" w="med" len="med"/>
+                      <a:tailEnd type="none" w="med" len="med"/>
+                    </a:lnL>
+                    <a:lnR w="38100" cap="flat" cmpd="sng" algn="ctr">
+                      <a:solidFill>
+                        <a:schemeClr val="bg1"/>
+                      </a:solidFill>
+                      <a:prstDash val="solid"/>
+                      <a:round/>
+                      <a:headEnd type="none" w="med" len="med"/>
+                      <a:tailEnd type="none" w="med" len="med"/>
+                    </a:lnR>
+                    <a:lnT>
+                      <a:noFill/>
+                    </a:lnT>
+                    <a:lnB w="3175" cap="flat" cmpd="sng" algn="ctr">
+                      <a:solidFill>
+                        <a:srgbClr val="008040"/>
+                      </a:solidFill>
+                      <a:prstDash val="solid"/>
+                      <a:round/>
+                      <a:headEnd type="none" w="med" len="med"/>
+                      <a:tailEnd type="none" w="med" len="med"/>
+                    </a:lnB>
+                    <a:lnTlToBr w="12700" cmpd="sng">
+                      <a:noFill/>
+                      <a:prstDash val="solid"/>
+                    </a:lnTlToBr>
+                    <a:lnBlToTr w="12700" cmpd="sng">
+                      <a:noFill/>
+                      <a:prstDash val="solid"/>
+                    </a:lnBlToTr>
+                    <a:noFill/>
+                  </a:tcPr>
+                </a:tc>
+                <a:tc>
+                  <a:txBody>
+                    <a:bodyPr/>
+                    <a:lstStyle/>
+                    <a:p>
+                      <a:pPr algn="ctr"/>
+                      <a:r>
+                        <a:rPr lang="es-MX" sz="1400" b="1" dirty="0" smtClean="0">
+                          <a:solidFill>
+                            <a:srgbClr val="008040"/>
+                          </a:solidFill>
+                          <a:latin typeface="Arial Narrow" panose="020B0606020202030204" pitchFamily="34" charset="0"/>
+                        </a:rPr>
+                        <a:t>Porcentaje de Avance</a:t>
                       </a:r>
                       <a:endParaRPr lang="es-MX" sz="1400" b="1" dirty="0">
                         <a:solidFill>
@@ -3966,6 +4033,90 @@
                       <a:headEnd type="none" w="med" len="med"/>
                       <a:tailEnd type="none" w="med" len="med"/>
                     </a:lnL>
+                    <a:lnR w="38100" cap="flat" cmpd="sng" algn="ctr">
+                      <a:solidFill>
+                        <a:schemeClr val="bg1"/>
+                      </a:solidFill>
+                      <a:prstDash val="solid"/>
+                      <a:round/>
+                      <a:headEnd type="none" w="med" len="med"/>
+                      <a:tailEnd type="none" w="med" len="med"/>
+                    </a:lnR>
+                    <a:lnT w="3175" cap="flat" cmpd="sng" algn="ctr">
+                      <a:solidFill>
+                        <a:srgbClr val="008040"/>
+                      </a:solidFill>
+                      <a:prstDash val="solid"/>
+                      <a:round/>
+                      <a:headEnd type="none" w="med" len="med"/>
+                      <a:tailEnd type="none" w="med" len="med"/>
+                    </a:lnT>
+                    <a:lnB w="6350" cap="flat" cmpd="sng" algn="ctr">
+                      <a:solidFill>
+                        <a:schemeClr val="bg1">
+                          <a:lumMod val="75000"/>
+                        </a:schemeClr>
+                      </a:solidFill>
+                      <a:prstDash val="solid"/>
+                      <a:round/>
+                      <a:headEnd type="none" w="med" len="med"/>
+                      <a:tailEnd type="none" w="med" len="med"/>
+                    </a:lnB>
+                    <a:lnTlToBr w="12700" cmpd="sng">
+                      <a:noFill/>
+                      <a:prstDash val="solid"/>
+                    </a:lnTlToBr>
+                    <a:lnBlToTr w="12700" cmpd="sng">
+                      <a:noFill/>
+                      <a:prstDash val="solid"/>
+                    </a:lnBlToTr>
+                  </a:tcPr>
+                </a:tc>
+                <a:tc>
+                  <a:txBody>
+                    <a:bodyPr/>
+                    <a:lstStyle/>
+                    <a:p>
+                      <a:pPr marL="0" marR="0" indent="0" algn="ctr" defTabSz="457200" rtl="0" eaLnBrk="1" fontAlgn="auto" latinLnBrk="0" hangingPunct="1">
+                        <a:lnSpc>
+                          <a:spcPct val="100000"/>
+                        </a:lnSpc>
+                        <a:spcBef>
+                          <a:spcPts val="0"/>
+                        </a:spcBef>
+                        <a:spcAft>
+                          <a:spcPts val="0"/>
+                        </a:spcAft>
+                        <a:buClrTx/>
+                        <a:buSzTx/>
+                        <a:buFontTx/>
+                        <a:buNone/>
+                        <a:tabLst/>
+                        <a:defRPr/>
+                      </a:pPr>
+                      <a:endParaRPr lang="es-MX" sz="1400" kern="1200" dirty="0">
+                        <a:solidFill>
+                          <a:schemeClr val="tx1">
+                            <a:lumMod val="65000"/>
+                            <a:lumOff val="35000"/>
+                          </a:schemeClr>
+                        </a:solidFill>
+                        <a:latin typeface="Arial Narrow" panose="020B0606020202030204" pitchFamily="34" charset="0"/>
+                        <a:ea typeface="+mn-ea"/>
+                        <a:cs typeface="+mn-cs"/>
+                      </a:endParaRPr>
+                    </a:p>
+                  </a:txBody>
+                  <a:tcPr marL="9525" marR="9525" marT="9525" marB="0" anchor="ctr">
+                    <a:lnL w="38100" cap="flat" cmpd="sng" algn="ctr">
+                      <a:solidFill>
+                        <a:schemeClr val="bg1"/>
+                      </a:solidFill>
+                      <a:prstDash val="solid"/>
+                      <a:round/>
+                      <a:headEnd type="none" w="med" len="med"/>
+                      <a:tailEnd type="none" w="med" len="med"/>
+                    </a:lnL>
                     <a:lnR w="6350" cap="flat" cmpd="sng" algn="ctr">
                       <a:noFill/>
                       <a:prstDash val="solid"/>
@@ -4185,6 +4336,93 @@
                       <a:headEnd type="none" w="med" len="med"/>
                       <a:tailEnd type="none" w="med" len="med"/>
                     </a:lnL>
+                    <a:lnR w="38100" cap="flat" cmpd="sng" algn="ctr">
+                      <a:solidFill>
+                        <a:schemeClr val="bg1"/>
+                      </a:solidFill>
+                      <a:prstDash val="solid"/>
+                      <a:round/>
+                      <a:headEnd type="none" w="med" len="med"/>
+                      <a:tailEnd type="none" w="med" len="med"/>
+                    </a:lnR>
+                    <a:lnT w="6350" cap="flat" cmpd="sng" algn="ctr">
+                      <a:solidFill>
+                        <a:schemeClr val="bg1">
+                          <a:lumMod val="75000"/>
+                        </a:schemeClr>
+                      </a:solidFill>
+                      <a:prstDash val="solid"/>
+                      <a:round/>
+                      <a:headEnd type="none" w="med" len="med"/>
+                      <a:tailEnd type="none" w="med" len="med"/>
+                    </a:lnT>
+                    <a:lnB w="6350" cap="flat" cmpd="sng" algn="ctr">
+                      <a:solidFill>
+                        <a:schemeClr val="bg1">
+                          <a:lumMod val="75000"/>
+                        </a:schemeClr>
+                      </a:solidFill>
+                      <a:prstDash val="solid"/>
+                      <a:round/>
+                      <a:headEnd type="none" w="med" len="med"/>
+                      <a:tailEnd type="none" w="med" len="med"/>
+                    </a:lnB>
+                    <a:lnTlToBr w="12700" cmpd="sng">
+                      <a:noFill/>
+                      <a:prstDash val="solid"/>
+                    </a:lnTlToBr>
+                    <a:lnBlToTr w="12700" cmpd="sng">
+                      <a:noFill/>
+                      <a:prstDash val="solid"/>
+                    </a:lnBlToTr>
+                    <a:noFill/>
+                  </a:tcPr>
+                </a:tc>
+                <a:tc>
+                  <a:txBody>
+                    <a:bodyPr/>
+                    <a:lstStyle/>
+                    <a:p>
+                      <a:pPr marL="0" marR="0" indent="0" algn="ctr" defTabSz="457200" rtl="0" eaLnBrk="1" fontAlgn="auto" latinLnBrk="0" hangingPunct="1">
+                        <a:lnSpc>
+                          <a:spcPct val="100000"/>
+                        </a:lnSpc>
+                        <a:spcBef>
+                          <a:spcPts val="0"/>
+                        </a:spcBef>
+                        <a:spcAft>
+                          <a:spcPts val="0"/>
+                        </a:spcAft>
+                        <a:buClrTx/>
+                        <a:buSzTx/>
+                        <a:buFontTx/>
+                        <a:buNone/>
+                        <a:tabLst/>
+                        <a:defRPr/>
+                      </a:pPr>
+                      <a:endParaRPr lang="es-MX" sz="1400" kern="1200" dirty="0">
+                        <a:solidFill>
+                          <a:schemeClr val="tx1">
+                            <a:lumMod val="65000"/>
+                            <a:lumOff val="35000"/>
+                          </a:schemeClr>
+                        </a:solidFill>
+                        <a:latin typeface="Arial Narrow" panose="020B0606020202030204" pitchFamily="34" charset="0"/>
+                        <a:ea typeface="+mn-ea"/>
+                        <a:cs typeface="+mn-cs"/>
+                      </a:endParaRPr>
+                    </a:p>
+                  </a:txBody>
+                  <a:tcPr marL="9525" marR="9525" marT="9525" marB="0" anchor="ctr">
+                    <a:lnL w="38100" cap="flat" cmpd="sng" algn="ctr">
+                      <a:solidFill>
+                        <a:schemeClr val="bg1"/>
+                      </a:solidFill>
+                      <a:prstDash val="solid"/>
+                      <a:round/>
+                      <a:headEnd type="none" w="med" len="med"/>
+                      <a:tailEnd type="none" w="med" len="med"/>
+                    </a:lnL>
                     <a:lnR w="6350" cap="flat" cmpd="sng" algn="ctr">
                       <a:noFill/>
                       <a:prstDash val="solid"/>
@@ -4407,6 +4645,93 @@
                       <a:headEnd type="none" w="med" len="med"/>
                       <a:tailEnd type="none" w="med" len="med"/>
                     </a:lnL>
+                    <a:lnR w="38100" cap="flat" cmpd="sng" algn="ctr">
+                      <a:solidFill>
+                        <a:schemeClr val="bg1"/>
+                      </a:solidFill>
+                      <a:prstDash val="solid"/>
+                      <a:round/>
+                      <a:headEnd type="none" w="med" len="med"/>
+                      <a:tailEnd type="none" w="med" len="med"/>
+                    </a:lnR>
+                    <a:lnT w="6350" cap="flat" cmpd="sng" algn="ctr">
+                      <a:solidFill>
+                        <a:schemeClr val="bg1">
+                          <a:lumMod val="75000"/>
+                        </a:schemeClr>
+                      </a:solidFill>
+                      <a:prstDash val="solid"/>
+                      <a:round/>
+                      <a:headEnd type="none" w="med" len="med"/>
+                      <a:tailEnd type="none" w="med" len="med"/>
+                    </a:lnT>
+                    <a:lnB w="6350" cap="flat" cmpd="sng" algn="ctr">
+                      <a:solidFill>
+                        <a:schemeClr val="bg1">
+                          <a:lumMod val="75000"/>
+                        </a:schemeClr>
+                      </a:solidFill>
+                      <a:prstDash val="solid"/>
+                      <a:round/>
+                      <a:headEnd type="none" w="med" len="med"/>
+                      <a:tailEnd type="none" w="med" len="med"/>
+                    </a:lnB>
+                    <a:lnTlToBr w="12700" cmpd="sng">
+                      <a:noFill/>
+                      <a:prstDash val="solid"/>
+                    </a:lnTlToBr>
+                    <a:lnBlToTr w="12700" cmpd="sng">
+                      <a:noFill/>
+                      <a:prstDash val="solid"/>
+                    </a:lnBlToTr>
+                    <a:noFill/>
+                  </a:tcPr>
+                </a:tc>
+                <a:tc>
+                  <a:txBody>
+                    <a:bodyPr/>
+                    <a:lstStyle/>
+                    <a:p>
+                      <a:pPr marL="0" marR="0" indent="0" algn="ctr" defTabSz="457200" rtl="0" eaLnBrk="1" fontAlgn="auto" latinLnBrk="0" hangingPunct="1">
+                        <a:lnSpc>
+                          <a:spcPct val="100000"/>
+                        </a:lnSpc>
+                        <a:spcBef>
+                          <a:spcPts val="0"/>
+                        </a:spcBef>
+                        <a:spcAft>
+                          <a:spcPts val="0"/>
+                        </a:spcAft>
+                        <a:buClrTx/>
+                        <a:buSzTx/>
+                        <a:buFontTx/>
+                        <a:buNone/>
+                        <a:tabLst/>
+                        <a:defRPr/>
+                      </a:pPr>
+                      <a:endParaRPr lang="es-MX" sz="1400" kern="1200" dirty="0">
+                        <a:solidFill>
+                          <a:schemeClr val="tx1">
+                            <a:lumMod val="65000"/>
+                            <a:lumOff val="35000"/>
+                          </a:schemeClr>
+                        </a:solidFill>
+                        <a:latin typeface="Arial Narrow" panose="020B0606020202030204" pitchFamily="34" charset="0"/>
+                        <a:ea typeface="+mn-ea"/>
+                        <a:cs typeface="+mn-cs"/>
+                      </a:endParaRPr>
+                    </a:p>
+                  </a:txBody>
+                  <a:tcPr marL="9525" marR="9525" marT="9525" marB="0" anchor="ctr">
+                    <a:lnL w="38100" cap="flat" cmpd="sng" algn="ctr">
+                      <a:solidFill>
+                        <a:schemeClr val="bg1"/>
+                      </a:solidFill>
+                      <a:prstDash val="solid"/>
+                      <a:round/>
+                      <a:headEnd type="none" w="med" len="med"/>
+                      <a:tailEnd type="none" w="med" len="med"/>
+                    </a:lnL>
                     <a:lnR w="6350" cap="flat" cmpd="sng" algn="ctr">
                       <a:noFill/>
                       <a:prstDash val="solid"/>
@@ -4629,6 +4954,93 @@
                       <a:headEnd type="none" w="med" len="med"/>
                       <a:tailEnd type="none" w="med" len="med"/>
                     </a:lnL>
+                    <a:lnR w="38100" cap="flat" cmpd="sng" algn="ctr">
+                      <a:solidFill>
+                        <a:schemeClr val="bg1"/>
+                      </a:solidFill>
+                      <a:prstDash val="solid"/>
+                      <a:round/>
+                      <a:headEnd type="none" w="med" len="med"/>
+                      <a:tailEnd type="none" w="med" len="med"/>
+                    </a:lnR>
+                    <a:lnT w="6350" cap="flat" cmpd="sng" algn="ctr">
+                      <a:solidFill>
+                        <a:schemeClr val="bg1">
+                          <a:lumMod val="75000"/>
+                        </a:schemeClr>
+                      </a:solidFill>
+                      <a:prstDash val="solid"/>
+                      <a:round/>
+                      <a:headEnd type="none" w="med" len="med"/>
+                      <a:tailEnd type="none" w="med" len="med"/>
+                    </a:lnT>
+                    <a:lnB w="6350" cap="flat" cmpd="sng" algn="ctr">
+                      <a:solidFill>
+                        <a:schemeClr val="bg1">
+                          <a:lumMod val="75000"/>
+                        </a:schemeClr>
+                      </a:solidFill>
+                      <a:prstDash val="solid"/>
+                      <a:round/>
+                      <a:headEnd type="none" w="med" len="med"/>
+                      <a:tailEnd type="none" w="med" len="med"/>
+                    </a:lnB>
+                    <a:lnTlToBr w="12700" cmpd="sng">
+                      <a:noFill/>
+                      <a:prstDash val="solid"/>
+                    </a:lnTlToBr>
+                    <a:lnBlToTr w="12700" cmpd="sng">
+                      <a:noFill/>
+                      <a:prstDash val="solid"/>
+                    </a:lnBlToTr>
+                    <a:noFill/>
+                  </a:tcPr>
+                </a:tc>
+                <a:tc>
+                  <a:txBody>
+                    <a:bodyPr/>
+                    <a:lstStyle/>
+                    <a:p>
+                      <a:pPr marL="0" marR="0" indent="0" algn="ctr" defTabSz="457200" rtl="0" eaLnBrk="1" fontAlgn="auto" latinLnBrk="0" hangingPunct="1">
+                        <a:lnSpc>
+                          <a:spcPct val="100000"/>
+                        </a:lnSpc>
+                        <a:spcBef>
+                          <a:spcPts val="0"/>
+                        </a:spcBef>
+                        <a:spcAft>
+                          <a:spcPts val="0"/>
+                        </a:spcAft>
+                        <a:buClrTx/>
+                        <a:buSzTx/>
+                        <a:buFontTx/>
+                        <a:buNone/>
+                        <a:tabLst/>
+                        <a:defRPr/>
+                      </a:pPr>
+                      <a:endParaRPr lang="es-MX" sz="1400" kern="1200" dirty="0">
+                        <a:solidFill>
+                          <a:schemeClr val="tx1">
+                            <a:lumMod val="65000"/>
+                            <a:lumOff val="35000"/>
+                          </a:schemeClr>
+                        </a:solidFill>
+                        <a:latin typeface="Arial Narrow" panose="020B0606020202030204" pitchFamily="34" charset="0"/>
+                        <a:ea typeface="+mn-ea"/>
+                        <a:cs typeface="+mn-cs"/>
+                      </a:endParaRPr>
+                    </a:p>
+                  </a:txBody>
+                  <a:tcPr marL="9525" marR="9525" marT="9525" marB="0" anchor="ctr">
+                    <a:lnL w="38100" cap="flat" cmpd="sng" algn="ctr">
+                      <a:solidFill>
+                        <a:schemeClr val="bg1"/>
+                      </a:solidFill>
+                      <a:prstDash val="solid"/>
+                      <a:round/>
+                      <a:headEnd type="none" w="med" len="med"/>
+                      <a:tailEnd type="none" w="med" len="med"/>
+                    </a:lnL>
                     <a:lnR w="6350" cap="flat" cmpd="sng" algn="ctr">
                       <a:noFill/>
                       <a:prstDash val="solid"/>
@@ -4851,6 +5263,93 @@
                       <a:headEnd type="none" w="med" len="med"/>
                       <a:tailEnd type="none" w="med" len="med"/>
                     </a:lnL>
+                    <a:lnR w="38100" cap="flat" cmpd="sng" algn="ctr">
+                      <a:solidFill>
+                        <a:schemeClr val="bg1"/>
+                      </a:solidFill>
+                      <a:prstDash val="solid"/>
+                      <a:round/>
+                      <a:headEnd type="none" w="med" len="med"/>
+                      <a:tailEnd type="none" w="med" len="med"/>
+                    </a:lnR>
+                    <a:lnT w="6350" cap="flat" cmpd="sng" algn="ctr">
+                      <a:solidFill>
+                        <a:schemeClr val="bg1">
+                          <a:lumMod val="75000"/>
+                        </a:schemeClr>
+                      </a:solidFill>
+                      <a:prstDash val="solid"/>
+                      <a:round/>
+                      <a:headEnd type="none" w="med" len="med"/>
+                      <a:tailEnd type="none" w="med" len="med"/>
+                    </a:lnT>
+                    <a:lnB w="6350" cap="flat" cmpd="sng" algn="ctr">
+                      <a:solidFill>
+                        <a:schemeClr val="bg1">
+                          <a:lumMod val="75000"/>
+                        </a:schemeClr>
+                      </a:solidFill>
+                      <a:prstDash val="solid"/>
+                      <a:round/>
+                      <a:headEnd type="none" w="med" len="med"/>
+                      <a:tailEnd type="none" w="med" len="med"/>
+                    </a:lnB>
+                    <a:lnTlToBr w="12700" cmpd="sng">
+                      <a:noFill/>
+                      <a:prstDash val="solid"/>
+                    </a:lnTlToBr>
+                    <a:lnBlToTr w="12700" cmpd="sng">
+                      <a:noFill/>
+                      <a:prstDash val="solid"/>
+                    </a:lnBlToTr>
+                    <a:noFill/>
+                  </a:tcPr>
+                </a:tc>
+                <a:tc>
+                  <a:txBody>
+                    <a:bodyPr/>
+                    <a:lstStyle/>
+                    <a:p>
+                      <a:pPr marL="0" marR="0" indent="0" algn="ctr" defTabSz="457200" rtl="0" eaLnBrk="1" fontAlgn="auto" latinLnBrk="0" hangingPunct="1">
+                        <a:lnSpc>
+                          <a:spcPct val="100000"/>
+                        </a:lnSpc>
+                        <a:spcBef>
+                          <a:spcPts val="0"/>
+                        </a:spcBef>
+                        <a:spcAft>
+                          <a:spcPts val="0"/>
+                        </a:spcAft>
+                        <a:buClrTx/>
+                        <a:buSzTx/>
+                        <a:buFontTx/>
+                        <a:buNone/>
+                        <a:tabLst/>
+                        <a:defRPr/>
+                      </a:pPr>
+                      <a:endParaRPr lang="es-MX" sz="1400" kern="1200" dirty="0">
+                        <a:solidFill>
+                          <a:schemeClr val="tx1">
+                            <a:lumMod val="65000"/>
+                            <a:lumOff val="35000"/>
+                          </a:schemeClr>
+                        </a:solidFill>
+                        <a:latin typeface="Arial Narrow" panose="020B0606020202030204" pitchFamily="34" charset="0"/>
+                        <a:ea typeface="+mn-ea"/>
+                        <a:cs typeface="+mn-cs"/>
+                      </a:endParaRPr>
+                    </a:p>
+                  </a:txBody>
+                  <a:tcPr marL="9525" marR="9525" marT="9525" marB="0" anchor="ctr">
+                    <a:lnL w="38100" cap="flat" cmpd="sng" algn="ctr">
+                      <a:solidFill>
+                        <a:schemeClr val="bg1"/>
+                      </a:solidFill>
+                      <a:prstDash val="solid"/>
+                      <a:round/>
+                      <a:headEnd type="none" w="med" len="med"/>
+                      <a:tailEnd type="none" w="med" len="med"/>
+                    </a:lnL>
                     <a:lnR w="6350" cap="flat" cmpd="sng" algn="ctr">
                       <a:noFill/>
                       <a:prstDash val="solid"/>
@@ -4980,6 +5479,95 @@
                     </a:p>
                   </a:txBody>
                   <a:tcPr anchor="ctr">
+                    <a:lnL w="38100" cap="flat" cmpd="sng" algn="ctr">
+                      <a:solidFill>
+                        <a:schemeClr val="bg1"/>
+                      </a:solidFill>
+                      <a:prstDash val="solid"/>
+                      <a:round/>
+                      <a:headEnd type="none" w="med" len="med"/>
+                      <a:tailEnd type="none" w="med" len="med"/>
+                    </a:lnL>
+                    <a:lnR w="38100" cap="flat" cmpd="sng" algn="ctr">
+                      <a:solidFill>
+                        <a:schemeClr val="bg1"/>
+                      </a:solidFill>
+                      <a:prstDash val="solid"/>
+                      <a:round/>
+                      <a:headEnd type="none" w="med" len="med"/>
+                      <a:tailEnd type="none" w="med" len="med"/>
+                    </a:lnR>
+                    <a:lnT w="6350" cap="flat" cmpd="sng" algn="ctr">
+                      <a:solidFill>
+                        <a:schemeClr val="bg1">
+                          <a:lumMod val="75000"/>
+                        </a:schemeClr>
+                      </a:solidFill>
+                      <a:prstDash val="solid"/>
+                      <a:round/>
+                      <a:headEnd type="none" w="med" len="med"/>
+                      <a:tailEnd type="none" w="med" len="med"/>
+                    </a:lnT>
+                    <a:lnB w="38100" cap="flat" cmpd="sng" algn="ctr">
+                      <a:solidFill>
+                        <a:schemeClr val="bg1"/>
+                      </a:solidFill>
+                      <a:prstDash val="solid"/>
+                      <a:round/>
+                      <a:headEnd type="none" w="med" len="med"/>
+                      <a:tailEnd type="none" w="med" len="med"/>
+                    </a:lnB>
+                    <a:lnTlToBr w="12700" cmpd="sng">
+                      <a:noFill/>
+                      <a:prstDash val="solid"/>
+                    </a:lnTlToBr>
+                    <a:lnBlToTr w="12700" cmpd="sng">
+                      <a:noFill/>
+                      <a:prstDash val="solid"/>
+                    </a:lnBlToTr>
+                    <a:solidFill>
+                      <a:schemeClr val="bg1">
+                        <a:lumMod val="85000"/>
+                      </a:schemeClr>
+                    </a:solidFill>
+                  </a:tcPr>
+                </a:tc>
+                <a:tc>
+                  <a:txBody>
+                    <a:bodyPr/>
+                    <a:lstStyle/>
+                    <a:p>
+                      <a:pPr marL="0" marR="0" indent="0" algn="ctr" defTabSz="457200" rtl="0" eaLnBrk="1" fontAlgn="auto" latinLnBrk="0" hangingPunct="1">
+                        <a:lnSpc>
+                          <a:spcPct val="100000"/>
+                        </a:lnSpc>
+                        <a:spcBef>
+                          <a:spcPts val="0"/>
+                        </a:spcBef>
+                        <a:spcAft>
+                          <a:spcPts val="0"/>
+                        </a:spcAft>
+                        <a:buClrTx/>
+                        <a:buSzTx/>
+                        <a:buFontTx/>
+                        <a:buNone/>
+                        <a:tabLst/>
+                        <a:defRPr/>
+                      </a:pPr>
+                      <a:endParaRPr lang="es-MX" sz="1400" kern="1200" dirty="0">
+                        <a:solidFill>
+                          <a:schemeClr val="tx1">
+                            <a:lumMod val="65000"/>
+                            <a:lumOff val="35000"/>
+                          </a:schemeClr>
+                        </a:solidFill>
+                        <a:latin typeface="Arial Narrow" panose="020B0606020202030204" pitchFamily="34" charset="0"/>
+                        <a:ea typeface="+mn-ea"/>
+                        <a:cs typeface="+mn-cs"/>
+                      </a:endParaRPr>
+                    </a:p>
+                  </a:txBody>
+                  <a:tcPr marL="9525" marR="9525" marT="9525" marB="0" anchor="ctr">
                     <a:lnL w="38100" cap="flat" cmpd="sng" algn="ctr">
                       <a:solidFill>
                         <a:schemeClr val="bg1"/>
@@ -5214,7 +5802,20 @@
                 <a:ea typeface="Calibri"/>
                 <a:cs typeface="Times New Roman"/>
               </a:rPr>
-              <a:t>Avances y Metas</a:t>
+              <a:t>Unidades de Avances </a:t>
+            </a:r>
+            <a:r>
+              <a:rPr lang="es-MX" dirty="0" smtClean="0">
+                <a:solidFill>
+                  <a:schemeClr val="accent6">
+                    <a:lumMod val="50000"/>
+                  </a:schemeClr>
+                </a:solidFill>
+                <a:latin typeface="Arial Narrow" panose="020B0606020202030204" pitchFamily="34" charset="0"/>
+                <a:ea typeface="Calibri"/>
+                <a:cs typeface="Times New Roman"/>
+              </a:rPr>
+              <a:t>y Metas</a:t>
             </a:r>
             <a:endParaRPr lang="es-MX" sz="1200" dirty="0">
               <a:solidFill>
@@ -5268,16 +5869,7 @@
                 </a:solidFill>
                 <a:latin typeface="Arial Narrow" panose="020B0606020202030204" pitchFamily="34" charset="0"/>
               </a:rPr>
-              <a:t> / </a:t>
-            </a:r>
-            <a:r>
-              <a:rPr lang="es-MX" sz="1600" b="1" dirty="0" smtClean="0">
-                <a:solidFill>
-                  <a:srgbClr val="008040"/>
-                </a:solidFill>
-                <a:latin typeface="Arial Narrow" panose="020B0606020202030204" pitchFamily="34" charset="0"/>
-              </a:rPr>
-              <a:t>1</a:t>
+              <a:t> / 1</a:t>
             </a:r>
             <a:endParaRPr lang="es-MX" sz="1600" b="1" dirty="0">
               <a:solidFill>
@@ -5334,6 +5926,2409 @@
     <p:extLst>
       <p:ext uri="{BB962C8B-B14F-4D97-AF65-F5344CB8AC3E}">
         <p14:creationId xmlns:p14="http://schemas.microsoft.com/office/powerpoint/2010/main" val="2097948831"/>
+      </p:ext>
+    </p:extLst>
+  </p:cSld>
+  <p:clrMapOvr>
+    <a:masterClrMapping/>
+  </p:clrMapOvr>
+</p:sld>
+</file>
+
+<file path=ppt/slides/slide2.xml><?xml version="1.0" encoding="utf-8"?>
+<p:sld xmlns:a="http://schemas.openxmlformats.org/drawingml/2006/main" xmlns:r="http://schemas.openxmlformats.org/officeDocument/2006/relationships" xmlns:p="http://schemas.openxmlformats.org/presentationml/2006/main">
+  <p:cSld>
+    <p:spTree>
+      <p:nvGrpSpPr>
+        <p:cNvPr id="1" name=""/>
+        <p:cNvGrpSpPr/>
+        <p:nvPr/>
+      </p:nvGrpSpPr>
+      <p:grpSpPr>
+        <a:xfrm>
+          <a:off x="0" y="0"/>
+          <a:ext cx="0" cy="0"/>
+          <a:chOff x="0" y="0"/>
+          <a:chExt cx="0" cy="0"/>
+        </a:xfrm>
+      </p:grpSpPr>
+      <p:graphicFrame>
+        <p:nvGraphicFramePr>
+          <p:cNvPr id="5" name="8 Tabla"/>
+          <p:cNvGraphicFramePr>
+            <a:graphicFrameLocks noGrp="1"/>
+          </p:cNvGraphicFramePr>
+          <p:nvPr>
+            <p:extLst>
+              <p:ext uri="{D42A27DB-BD31-4B8C-83A1-F6EECF244321}">
+                <p14:modId xmlns:p14="http://schemas.microsoft.com/office/powerpoint/2010/main" val="4264095499"/>
+              </p:ext>
+            </p:extLst>
+          </p:nvPr>
+        </p:nvGraphicFramePr>
+        <p:xfrm>
+          <a:off x="3285826" y="2336224"/>
+          <a:ext cx="6886873" cy="3222297"/>
+        </p:xfrm>
+        <a:graphic>
+          <a:graphicData uri="http://schemas.openxmlformats.org/drawingml/2006/table">
+            <a:tbl>
+              <a:tblPr firstRow="1" bandRow="1">
+                <a:tableStyleId>{2D5ABB26-0587-4C30-8999-92F81FD0307C}</a:tableStyleId>
+              </a:tblPr>
+              <a:tblGrid>
+                <a:gridCol w="1888300"/>
+                <a:gridCol w="1555137"/>
+                <a:gridCol w="1721718"/>
+                <a:gridCol w="1721718"/>
+              </a:tblGrid>
+              <a:tr h="282683">
+                <a:tc>
+                  <a:txBody>
+                    <a:bodyPr/>
+                    <a:lstStyle/>
+                    <a:p>
+                      <a:pPr algn="ctr"/>
+                      <a:endParaRPr lang="es-MX" sz="1400" b="1" dirty="0">
+                        <a:solidFill>
+                          <a:schemeClr val="tx1">
+                            <a:lumMod val="65000"/>
+                            <a:lumOff val="35000"/>
+                          </a:schemeClr>
+                        </a:solidFill>
+                        <a:latin typeface="Arial Narrow" panose="020B0606020202030204" pitchFamily="34" charset="0"/>
+                      </a:endParaRPr>
+                    </a:p>
+                  </a:txBody>
+                  <a:tcPr>
+                    <a:lnL>
+                      <a:noFill/>
+                    </a:lnL>
+                    <a:lnR w="38100" cap="flat" cmpd="sng" algn="ctr">
+                      <a:solidFill>
+                        <a:schemeClr val="bg1"/>
+                      </a:solidFill>
+                      <a:prstDash val="solid"/>
+                      <a:round/>
+                      <a:headEnd type="none" w="med" len="med"/>
+                      <a:tailEnd type="none" w="med" len="med"/>
+                    </a:lnR>
+                    <a:lnT>
+                      <a:noFill/>
+                    </a:lnT>
+                    <a:lnB w="3175" cap="flat" cmpd="sng" algn="ctr">
+                      <a:solidFill>
+                        <a:srgbClr val="008040"/>
+                      </a:solidFill>
+                      <a:prstDash val="solid"/>
+                      <a:round/>
+                      <a:headEnd type="none" w="med" len="med"/>
+                      <a:tailEnd type="none" w="med" len="med"/>
+                    </a:lnB>
+                    <a:lnTlToBr w="12700" cmpd="sng">
+                      <a:noFill/>
+                      <a:prstDash val="solid"/>
+                    </a:lnTlToBr>
+                    <a:lnBlToTr w="12700" cmpd="sng">
+                      <a:noFill/>
+                      <a:prstDash val="solid"/>
+                    </a:lnBlToTr>
+                    <a:noFill/>
+                  </a:tcPr>
+                </a:tc>
+                <a:tc>
+                  <a:txBody>
+                    <a:bodyPr/>
+                    <a:lstStyle/>
+                    <a:p>
+                      <a:pPr algn="ctr"/>
+                      <a:r>
+                        <a:rPr lang="es-MX" sz="1400" b="1" dirty="0" smtClean="0">
+                          <a:solidFill>
+                            <a:srgbClr val="008040"/>
+                          </a:solidFill>
+                          <a:latin typeface="Arial Narrow" panose="020B0606020202030204" pitchFamily="34" charset="0"/>
+                        </a:rPr>
+                        <a:t>Avances</a:t>
+                      </a:r>
+                      <a:endParaRPr lang="es-MX" sz="1400" b="1" dirty="0">
+                        <a:solidFill>
+                          <a:srgbClr val="008040"/>
+                        </a:solidFill>
+                        <a:latin typeface="Arial Narrow" panose="020B0606020202030204" pitchFamily="34" charset="0"/>
+                      </a:endParaRPr>
+                    </a:p>
+                  </a:txBody>
+                  <a:tcPr>
+                    <a:lnL w="38100" cap="flat" cmpd="sng" algn="ctr">
+                      <a:solidFill>
+                        <a:schemeClr val="bg1"/>
+                      </a:solidFill>
+                      <a:prstDash val="solid"/>
+                      <a:round/>
+                      <a:headEnd type="none" w="med" len="med"/>
+                      <a:tailEnd type="none" w="med" len="med"/>
+                    </a:lnL>
+                    <a:lnR w="38100" cap="flat" cmpd="sng" algn="ctr">
+                      <a:solidFill>
+                        <a:schemeClr val="bg1"/>
+                      </a:solidFill>
+                      <a:prstDash val="solid"/>
+                      <a:round/>
+                      <a:headEnd type="none" w="med" len="med"/>
+                      <a:tailEnd type="none" w="med" len="med"/>
+                    </a:lnR>
+                    <a:lnT>
+                      <a:noFill/>
+                    </a:lnT>
+                    <a:lnB w="3175" cap="flat" cmpd="sng" algn="ctr">
+                      <a:solidFill>
+                        <a:srgbClr val="008040"/>
+                      </a:solidFill>
+                      <a:prstDash val="solid"/>
+                      <a:round/>
+                      <a:headEnd type="none" w="med" len="med"/>
+                      <a:tailEnd type="none" w="med" len="med"/>
+                    </a:lnB>
+                    <a:lnTlToBr w="12700" cmpd="sng">
+                      <a:noFill/>
+                      <a:prstDash val="solid"/>
+                    </a:lnTlToBr>
+                    <a:lnBlToTr w="12700" cmpd="sng">
+                      <a:noFill/>
+                      <a:prstDash val="solid"/>
+                    </a:lnBlToTr>
+                    <a:solidFill>
+                      <a:schemeClr val="bg1">
+                        <a:lumMod val="95000"/>
+                      </a:schemeClr>
+                    </a:solidFill>
+                  </a:tcPr>
+                </a:tc>
+                <a:tc>
+                  <a:txBody>
+                    <a:bodyPr/>
+                    <a:lstStyle/>
+                    <a:p>
+                      <a:pPr algn="ctr"/>
+                      <a:r>
+                        <a:rPr lang="es-MX" sz="1400" b="1" dirty="0" smtClean="0">
+                          <a:solidFill>
+                            <a:srgbClr val="008040"/>
+                          </a:solidFill>
+                          <a:latin typeface="Arial Narrow" panose="020B0606020202030204" pitchFamily="34" charset="0"/>
+                        </a:rPr>
+                        <a:t>Metas</a:t>
+                      </a:r>
+                      <a:endParaRPr lang="es-MX" sz="1400" b="1" dirty="0">
+                        <a:solidFill>
+                          <a:srgbClr val="008040"/>
+                        </a:solidFill>
+                        <a:latin typeface="Arial Narrow" panose="020B0606020202030204" pitchFamily="34" charset="0"/>
+                      </a:endParaRPr>
+                    </a:p>
+                  </a:txBody>
+                  <a:tcPr>
+                    <a:lnL w="38100" cap="flat" cmpd="sng" algn="ctr">
+                      <a:solidFill>
+                        <a:schemeClr val="bg1"/>
+                      </a:solidFill>
+                      <a:prstDash val="solid"/>
+                      <a:round/>
+                      <a:headEnd type="none" w="med" len="med"/>
+                      <a:tailEnd type="none" w="med" len="med"/>
+                    </a:lnL>
+                    <a:lnR w="38100" cap="flat" cmpd="sng" algn="ctr">
+                      <a:solidFill>
+                        <a:schemeClr val="bg1"/>
+                      </a:solidFill>
+                      <a:prstDash val="solid"/>
+                      <a:round/>
+                      <a:headEnd type="none" w="med" len="med"/>
+                      <a:tailEnd type="none" w="med" len="med"/>
+                    </a:lnR>
+                    <a:lnT>
+                      <a:noFill/>
+                    </a:lnT>
+                    <a:lnB w="3175" cap="flat" cmpd="sng" algn="ctr">
+                      <a:solidFill>
+                        <a:srgbClr val="008040"/>
+                      </a:solidFill>
+                      <a:prstDash val="solid"/>
+                      <a:round/>
+                      <a:headEnd type="none" w="med" len="med"/>
+                      <a:tailEnd type="none" w="med" len="med"/>
+                    </a:lnB>
+                    <a:lnTlToBr w="12700" cmpd="sng">
+                      <a:noFill/>
+                      <a:prstDash val="solid"/>
+                    </a:lnTlToBr>
+                    <a:lnBlToTr w="12700" cmpd="sng">
+                      <a:noFill/>
+                      <a:prstDash val="solid"/>
+                    </a:lnBlToTr>
+                    <a:noFill/>
+                  </a:tcPr>
+                </a:tc>
+                <a:tc>
+                  <a:txBody>
+                    <a:bodyPr/>
+                    <a:lstStyle/>
+                    <a:p>
+                      <a:pPr algn="ctr"/>
+                      <a:r>
+                        <a:rPr lang="es-MX" sz="1400" b="1" dirty="0" smtClean="0">
+                          <a:solidFill>
+                            <a:srgbClr val="008040"/>
+                          </a:solidFill>
+                          <a:latin typeface="Arial Narrow" panose="020B0606020202030204" pitchFamily="34" charset="0"/>
+                        </a:rPr>
+                        <a:t>Porcentaje de Avance</a:t>
+                      </a:r>
+                      <a:endParaRPr lang="es-MX" sz="1400" b="1" dirty="0">
+                        <a:solidFill>
+                          <a:srgbClr val="008040"/>
+                        </a:solidFill>
+                        <a:latin typeface="Arial Narrow" panose="020B0606020202030204" pitchFamily="34" charset="0"/>
+                      </a:endParaRPr>
+                    </a:p>
+                  </a:txBody>
+                  <a:tcPr>
+                    <a:lnL w="38100" cap="flat" cmpd="sng" algn="ctr">
+                      <a:solidFill>
+                        <a:schemeClr val="bg1"/>
+                      </a:solidFill>
+                      <a:prstDash val="solid"/>
+                      <a:round/>
+                      <a:headEnd type="none" w="med" len="med"/>
+                      <a:tailEnd type="none" w="med" len="med"/>
+                    </a:lnL>
+                    <a:lnR w="6350" cap="flat" cmpd="sng" algn="ctr">
+                      <a:noFill/>
+                      <a:prstDash val="solid"/>
+                      <a:round/>
+                      <a:headEnd type="none" w="med" len="med"/>
+                      <a:tailEnd type="none" w="med" len="med"/>
+                    </a:lnR>
+                    <a:lnT>
+                      <a:noFill/>
+                    </a:lnT>
+                    <a:lnB w="3175" cap="flat" cmpd="sng" algn="ctr">
+                      <a:solidFill>
+                        <a:srgbClr val="008040"/>
+                      </a:solidFill>
+                      <a:prstDash val="solid"/>
+                      <a:round/>
+                      <a:headEnd type="none" w="med" len="med"/>
+                      <a:tailEnd type="none" w="med" len="med"/>
+                    </a:lnB>
+                    <a:lnTlToBr w="12700" cmpd="sng">
+                      <a:noFill/>
+                      <a:prstDash val="solid"/>
+                    </a:lnTlToBr>
+                    <a:lnBlToTr w="12700" cmpd="sng">
+                      <a:noFill/>
+                      <a:prstDash val="solid"/>
+                    </a:lnBlToTr>
+                    <a:noFill/>
+                  </a:tcPr>
+                </a:tc>
+              </a:tr>
+              <a:tr h="466070">
+                <a:tc>
+                  <a:txBody>
+                    <a:bodyPr/>
+                    <a:lstStyle/>
+                    <a:p>
+                      <a:endParaRPr lang="es-MX" sz="1400" b="1" baseline="0" dirty="0" smtClean="0">
+                        <a:solidFill>
+                          <a:schemeClr val="tx1">
+                            <a:lumMod val="65000"/>
+                            <a:lumOff val="35000"/>
+                          </a:schemeClr>
+                        </a:solidFill>
+                        <a:latin typeface="Arial Narrow" panose="020B0606020202030204" pitchFamily="34" charset="0"/>
+                      </a:endParaRPr>
+                    </a:p>
+                  </a:txBody>
+                  <a:tcPr anchor="ctr">
+                    <a:lnL>
+                      <a:noFill/>
+                    </a:lnL>
+                    <a:lnR w="38100" cap="flat" cmpd="sng" algn="ctr">
+                      <a:solidFill>
+                        <a:schemeClr val="bg1"/>
+                      </a:solidFill>
+                      <a:prstDash val="solid"/>
+                      <a:round/>
+                      <a:headEnd type="none" w="med" len="med"/>
+                      <a:tailEnd type="none" w="med" len="med"/>
+                    </a:lnR>
+                    <a:lnT w="3175" cap="flat" cmpd="sng" algn="ctr">
+                      <a:solidFill>
+                        <a:srgbClr val="008040"/>
+                      </a:solidFill>
+                      <a:prstDash val="solid"/>
+                      <a:round/>
+                      <a:headEnd type="none" w="med" len="med"/>
+                      <a:tailEnd type="none" w="med" len="med"/>
+                    </a:lnT>
+                    <a:lnB w="6350" cap="flat" cmpd="sng" algn="ctr">
+                      <a:solidFill>
+                        <a:schemeClr val="bg1">
+                          <a:lumMod val="75000"/>
+                        </a:schemeClr>
+                      </a:solidFill>
+                      <a:prstDash val="solid"/>
+                      <a:round/>
+                      <a:headEnd type="none" w="med" len="med"/>
+                      <a:tailEnd type="none" w="med" len="med"/>
+                    </a:lnB>
+                    <a:lnTlToBr w="12700" cmpd="sng">
+                      <a:noFill/>
+                      <a:prstDash val="solid"/>
+                    </a:lnTlToBr>
+                    <a:lnBlToTr w="12700" cmpd="sng">
+                      <a:noFill/>
+                      <a:prstDash val="solid"/>
+                    </a:lnBlToTr>
+                  </a:tcPr>
+                </a:tc>
+                <a:tc>
+                  <a:txBody>
+                    <a:bodyPr/>
+                    <a:lstStyle/>
+                    <a:p>
+                      <a:pPr algn="ctr"/>
+                      <a:endParaRPr lang="es-MX" sz="1400" dirty="0">
+                        <a:solidFill>
+                          <a:schemeClr val="tx1">
+                            <a:lumMod val="65000"/>
+                            <a:lumOff val="35000"/>
+                          </a:schemeClr>
+                        </a:solidFill>
+                        <a:latin typeface="Arial Narrow" panose="020B0606020202030204" pitchFamily="34" charset="0"/>
+                      </a:endParaRPr>
+                    </a:p>
+                  </a:txBody>
+                  <a:tcPr anchor="ctr">
+                    <a:lnL w="38100" cap="flat" cmpd="sng" algn="ctr">
+                      <a:solidFill>
+                        <a:schemeClr val="bg1"/>
+                      </a:solidFill>
+                      <a:prstDash val="solid"/>
+                      <a:round/>
+                      <a:headEnd type="none" w="med" len="med"/>
+                      <a:tailEnd type="none" w="med" len="med"/>
+                    </a:lnL>
+                    <a:lnR w="38100" cap="flat" cmpd="sng" algn="ctr">
+                      <a:solidFill>
+                        <a:schemeClr val="bg1"/>
+                      </a:solidFill>
+                      <a:prstDash val="solid"/>
+                      <a:round/>
+                      <a:headEnd type="none" w="med" len="med"/>
+                      <a:tailEnd type="none" w="med" len="med"/>
+                    </a:lnR>
+                    <a:lnT w="3175" cap="flat" cmpd="sng" algn="ctr">
+                      <a:solidFill>
+                        <a:srgbClr val="008040"/>
+                      </a:solidFill>
+                      <a:prstDash val="solid"/>
+                      <a:round/>
+                      <a:headEnd type="none" w="med" len="med"/>
+                      <a:tailEnd type="none" w="med" len="med"/>
+                    </a:lnT>
+                    <a:lnB w="6350" cap="flat" cmpd="sng" algn="ctr">
+                      <a:solidFill>
+                        <a:schemeClr val="bg1">
+                          <a:lumMod val="75000"/>
+                        </a:schemeClr>
+                      </a:solidFill>
+                      <a:prstDash val="solid"/>
+                      <a:round/>
+                      <a:headEnd type="none" w="med" len="med"/>
+                      <a:tailEnd type="none" w="med" len="med"/>
+                    </a:lnB>
+                    <a:lnTlToBr w="12700" cmpd="sng">
+                      <a:noFill/>
+                      <a:prstDash val="solid"/>
+                    </a:lnTlToBr>
+                    <a:lnBlToTr w="12700" cmpd="sng">
+                      <a:noFill/>
+                      <a:prstDash val="solid"/>
+                    </a:lnBlToTr>
+                    <a:solidFill>
+                      <a:schemeClr val="bg1">
+                        <a:lumMod val="95000"/>
+                      </a:schemeClr>
+                    </a:solidFill>
+                  </a:tcPr>
+                </a:tc>
+                <a:tc>
+                  <a:txBody>
+                    <a:bodyPr/>
+                    <a:lstStyle/>
+                    <a:p>
+                      <a:pPr marL="0" marR="0" indent="0" algn="ctr" defTabSz="457200" rtl="0" eaLnBrk="1" fontAlgn="auto" latinLnBrk="0" hangingPunct="1">
+                        <a:lnSpc>
+                          <a:spcPct val="100000"/>
+                        </a:lnSpc>
+                        <a:spcBef>
+                          <a:spcPts val="0"/>
+                        </a:spcBef>
+                        <a:spcAft>
+                          <a:spcPts val="0"/>
+                        </a:spcAft>
+                        <a:buClrTx/>
+                        <a:buSzTx/>
+                        <a:buFontTx/>
+                        <a:buNone/>
+                        <a:tabLst/>
+                        <a:defRPr/>
+                      </a:pPr>
+                      <a:endParaRPr lang="es-MX" sz="1400" kern="1200" dirty="0">
+                        <a:solidFill>
+                          <a:schemeClr val="tx1">
+                            <a:lumMod val="65000"/>
+                            <a:lumOff val="35000"/>
+                          </a:schemeClr>
+                        </a:solidFill>
+                        <a:latin typeface="Arial Narrow" panose="020B0606020202030204" pitchFamily="34" charset="0"/>
+                        <a:ea typeface="+mn-ea"/>
+                        <a:cs typeface="+mn-cs"/>
+                      </a:endParaRPr>
+                    </a:p>
+                  </a:txBody>
+                  <a:tcPr marL="9525" marR="9525" marT="9525" marB="0" anchor="ctr">
+                    <a:lnL w="38100" cap="flat" cmpd="sng" algn="ctr">
+                      <a:solidFill>
+                        <a:schemeClr val="bg1"/>
+                      </a:solidFill>
+                      <a:prstDash val="solid"/>
+                      <a:round/>
+                      <a:headEnd type="none" w="med" len="med"/>
+                      <a:tailEnd type="none" w="med" len="med"/>
+                    </a:lnL>
+                    <a:lnR w="38100" cap="flat" cmpd="sng" algn="ctr">
+                      <a:solidFill>
+                        <a:schemeClr val="bg1"/>
+                      </a:solidFill>
+                      <a:prstDash val="solid"/>
+                      <a:round/>
+                      <a:headEnd type="none" w="med" len="med"/>
+                      <a:tailEnd type="none" w="med" len="med"/>
+                    </a:lnR>
+                    <a:lnT w="3175" cap="flat" cmpd="sng" algn="ctr">
+                      <a:solidFill>
+                        <a:srgbClr val="008040"/>
+                      </a:solidFill>
+                      <a:prstDash val="solid"/>
+                      <a:round/>
+                      <a:headEnd type="none" w="med" len="med"/>
+                      <a:tailEnd type="none" w="med" len="med"/>
+                    </a:lnT>
+                    <a:lnB w="6350" cap="flat" cmpd="sng" algn="ctr">
+                      <a:solidFill>
+                        <a:schemeClr val="bg1">
+                          <a:lumMod val="75000"/>
+                        </a:schemeClr>
+                      </a:solidFill>
+                      <a:prstDash val="solid"/>
+                      <a:round/>
+                      <a:headEnd type="none" w="med" len="med"/>
+                      <a:tailEnd type="none" w="med" len="med"/>
+                    </a:lnB>
+                    <a:lnTlToBr w="12700" cmpd="sng">
+                      <a:noFill/>
+                      <a:prstDash val="solid"/>
+                    </a:lnTlToBr>
+                    <a:lnBlToTr w="12700" cmpd="sng">
+                      <a:noFill/>
+                      <a:prstDash val="solid"/>
+                    </a:lnBlToTr>
+                  </a:tcPr>
+                </a:tc>
+                <a:tc>
+                  <a:txBody>
+                    <a:bodyPr/>
+                    <a:lstStyle/>
+                    <a:p>
+                      <a:pPr marL="0" marR="0" indent="0" algn="ctr" defTabSz="457200" rtl="0" eaLnBrk="1" fontAlgn="auto" latinLnBrk="0" hangingPunct="1">
+                        <a:lnSpc>
+                          <a:spcPct val="100000"/>
+                        </a:lnSpc>
+                        <a:spcBef>
+                          <a:spcPts val="0"/>
+                        </a:spcBef>
+                        <a:spcAft>
+                          <a:spcPts val="0"/>
+                        </a:spcAft>
+                        <a:buClrTx/>
+                        <a:buSzTx/>
+                        <a:buFontTx/>
+                        <a:buNone/>
+                        <a:tabLst/>
+                        <a:defRPr/>
+                      </a:pPr>
+                      <a:endParaRPr lang="es-MX" sz="1400" kern="1200" dirty="0">
+                        <a:solidFill>
+                          <a:schemeClr val="tx1">
+                            <a:lumMod val="65000"/>
+                            <a:lumOff val="35000"/>
+                          </a:schemeClr>
+                        </a:solidFill>
+                        <a:latin typeface="Arial Narrow" panose="020B0606020202030204" pitchFamily="34" charset="0"/>
+                        <a:ea typeface="+mn-ea"/>
+                        <a:cs typeface="+mn-cs"/>
+                      </a:endParaRPr>
+                    </a:p>
+                  </a:txBody>
+                  <a:tcPr marL="9525" marR="9525" marT="9525" marB="0" anchor="ctr">
+                    <a:lnL w="38100" cap="flat" cmpd="sng" algn="ctr">
+                      <a:solidFill>
+                        <a:schemeClr val="bg1"/>
+                      </a:solidFill>
+                      <a:prstDash val="solid"/>
+                      <a:round/>
+                      <a:headEnd type="none" w="med" len="med"/>
+                      <a:tailEnd type="none" w="med" len="med"/>
+                    </a:lnL>
+                    <a:lnR w="6350" cap="flat" cmpd="sng" algn="ctr">
+                      <a:noFill/>
+                      <a:prstDash val="solid"/>
+                      <a:round/>
+                      <a:headEnd type="none" w="med" len="med"/>
+                      <a:tailEnd type="none" w="med" len="med"/>
+                    </a:lnR>
+                    <a:lnT w="3175" cap="flat" cmpd="sng" algn="ctr">
+                      <a:solidFill>
+                        <a:srgbClr val="008040"/>
+                      </a:solidFill>
+                      <a:prstDash val="solid"/>
+                      <a:round/>
+                      <a:headEnd type="none" w="med" len="med"/>
+                      <a:tailEnd type="none" w="med" len="med"/>
+                    </a:lnT>
+                    <a:lnB w="6350" cap="flat" cmpd="sng" algn="ctr">
+                      <a:solidFill>
+                        <a:schemeClr val="bg1">
+                          <a:lumMod val="75000"/>
+                        </a:schemeClr>
+                      </a:solidFill>
+                      <a:prstDash val="solid"/>
+                      <a:round/>
+                      <a:headEnd type="none" w="med" len="med"/>
+                      <a:tailEnd type="none" w="med" len="med"/>
+                    </a:lnB>
+                    <a:lnTlToBr w="12700" cmpd="sng">
+                      <a:noFill/>
+                      <a:prstDash val="solid"/>
+                    </a:lnTlToBr>
+                    <a:lnBlToTr w="12700" cmpd="sng">
+                      <a:noFill/>
+                      <a:prstDash val="solid"/>
+                    </a:lnBlToTr>
+                  </a:tcPr>
+                </a:tc>
+              </a:tr>
+              <a:tr h="465977">
+                <a:tc>
+                  <a:txBody>
+                    <a:bodyPr/>
+                    <a:lstStyle/>
+                    <a:p>
+                      <a:endParaRPr lang="es-MX" sz="1400" b="1" dirty="0">
+                        <a:solidFill>
+                          <a:schemeClr val="tx1">
+                            <a:lumMod val="65000"/>
+                            <a:lumOff val="35000"/>
+                          </a:schemeClr>
+                        </a:solidFill>
+                        <a:latin typeface="Arial Narrow" panose="020B0606020202030204" pitchFamily="34" charset="0"/>
+                      </a:endParaRPr>
+                    </a:p>
+                  </a:txBody>
+                  <a:tcPr anchor="ctr">
+                    <a:lnL>
+                      <a:noFill/>
+                    </a:lnL>
+                    <a:lnR w="38100" cap="flat" cmpd="sng" algn="ctr">
+                      <a:solidFill>
+                        <a:schemeClr val="bg1"/>
+                      </a:solidFill>
+                      <a:prstDash val="solid"/>
+                      <a:round/>
+                      <a:headEnd type="none" w="med" len="med"/>
+                      <a:tailEnd type="none" w="med" len="med"/>
+                    </a:lnR>
+                    <a:lnT w="6350" cap="flat" cmpd="sng" algn="ctr">
+                      <a:solidFill>
+                        <a:schemeClr val="bg1">
+                          <a:lumMod val="75000"/>
+                        </a:schemeClr>
+                      </a:solidFill>
+                      <a:prstDash val="solid"/>
+                      <a:round/>
+                      <a:headEnd type="none" w="med" len="med"/>
+                      <a:tailEnd type="none" w="med" len="med"/>
+                    </a:lnT>
+                    <a:lnB w="6350" cap="flat" cmpd="sng" algn="ctr">
+                      <a:solidFill>
+                        <a:schemeClr val="bg1">
+                          <a:lumMod val="75000"/>
+                        </a:schemeClr>
+                      </a:solidFill>
+                      <a:prstDash val="solid"/>
+                      <a:round/>
+                      <a:headEnd type="none" w="med" len="med"/>
+                      <a:tailEnd type="none" w="med" len="med"/>
+                    </a:lnB>
+                    <a:lnTlToBr w="12700" cmpd="sng">
+                      <a:noFill/>
+                      <a:prstDash val="solid"/>
+                    </a:lnTlToBr>
+                    <a:lnBlToTr w="12700" cmpd="sng">
+                      <a:noFill/>
+                      <a:prstDash val="solid"/>
+                    </a:lnBlToTr>
+                    <a:noFill/>
+                  </a:tcPr>
+                </a:tc>
+                <a:tc>
+                  <a:txBody>
+                    <a:bodyPr/>
+                    <a:lstStyle/>
+                    <a:p>
+                      <a:pPr algn="ctr"/>
+                      <a:endParaRPr lang="es-MX" sz="1400" dirty="0">
+                        <a:solidFill>
+                          <a:schemeClr val="tx1">
+                            <a:lumMod val="65000"/>
+                            <a:lumOff val="35000"/>
+                          </a:schemeClr>
+                        </a:solidFill>
+                        <a:latin typeface="Arial Narrow" panose="020B0606020202030204" pitchFamily="34" charset="0"/>
+                      </a:endParaRPr>
+                    </a:p>
+                  </a:txBody>
+                  <a:tcPr anchor="ctr">
+                    <a:lnL w="38100" cap="flat" cmpd="sng" algn="ctr">
+                      <a:solidFill>
+                        <a:schemeClr val="bg1"/>
+                      </a:solidFill>
+                      <a:prstDash val="solid"/>
+                      <a:round/>
+                      <a:headEnd type="none" w="med" len="med"/>
+                      <a:tailEnd type="none" w="med" len="med"/>
+                    </a:lnL>
+                    <a:lnR w="38100" cap="flat" cmpd="sng" algn="ctr">
+                      <a:solidFill>
+                        <a:schemeClr val="bg1"/>
+                      </a:solidFill>
+                      <a:prstDash val="solid"/>
+                      <a:round/>
+                      <a:headEnd type="none" w="med" len="med"/>
+                      <a:tailEnd type="none" w="med" len="med"/>
+                    </a:lnR>
+                    <a:lnT w="6350" cap="flat" cmpd="sng" algn="ctr">
+                      <a:solidFill>
+                        <a:schemeClr val="bg1">
+                          <a:lumMod val="75000"/>
+                        </a:schemeClr>
+                      </a:solidFill>
+                      <a:prstDash val="solid"/>
+                      <a:round/>
+                      <a:headEnd type="none" w="med" len="med"/>
+                      <a:tailEnd type="none" w="med" len="med"/>
+                    </a:lnT>
+                    <a:lnB w="6350" cap="flat" cmpd="sng" algn="ctr">
+                      <a:solidFill>
+                        <a:schemeClr val="bg1">
+                          <a:lumMod val="75000"/>
+                        </a:schemeClr>
+                      </a:solidFill>
+                      <a:prstDash val="solid"/>
+                      <a:round/>
+                      <a:headEnd type="none" w="med" len="med"/>
+                      <a:tailEnd type="none" w="med" len="med"/>
+                    </a:lnB>
+                    <a:lnTlToBr w="12700" cmpd="sng">
+                      <a:noFill/>
+                      <a:prstDash val="solid"/>
+                    </a:lnTlToBr>
+                    <a:lnBlToTr w="12700" cmpd="sng">
+                      <a:noFill/>
+                      <a:prstDash val="solid"/>
+                    </a:lnBlToTr>
+                    <a:solidFill>
+                      <a:schemeClr val="bg1">
+                        <a:lumMod val="95000"/>
+                      </a:schemeClr>
+                    </a:solidFill>
+                  </a:tcPr>
+                </a:tc>
+                <a:tc>
+                  <a:txBody>
+                    <a:bodyPr/>
+                    <a:lstStyle/>
+                    <a:p>
+                      <a:pPr marL="0" marR="0" indent="0" algn="ctr" defTabSz="457200" rtl="0" eaLnBrk="1" fontAlgn="auto" latinLnBrk="0" hangingPunct="1">
+                        <a:lnSpc>
+                          <a:spcPct val="100000"/>
+                        </a:lnSpc>
+                        <a:spcBef>
+                          <a:spcPts val="0"/>
+                        </a:spcBef>
+                        <a:spcAft>
+                          <a:spcPts val="0"/>
+                        </a:spcAft>
+                        <a:buClrTx/>
+                        <a:buSzTx/>
+                        <a:buFontTx/>
+                        <a:buNone/>
+                        <a:tabLst/>
+                        <a:defRPr/>
+                      </a:pPr>
+                      <a:endParaRPr lang="es-MX" sz="1400" kern="1200" dirty="0">
+                        <a:solidFill>
+                          <a:schemeClr val="tx1">
+                            <a:lumMod val="65000"/>
+                            <a:lumOff val="35000"/>
+                          </a:schemeClr>
+                        </a:solidFill>
+                        <a:latin typeface="Arial Narrow" panose="020B0606020202030204" pitchFamily="34" charset="0"/>
+                        <a:ea typeface="+mn-ea"/>
+                        <a:cs typeface="+mn-cs"/>
+                      </a:endParaRPr>
+                    </a:p>
+                  </a:txBody>
+                  <a:tcPr marL="9525" marR="9525" marT="9525" marB="0" anchor="ctr">
+                    <a:lnL w="38100" cap="flat" cmpd="sng" algn="ctr">
+                      <a:solidFill>
+                        <a:schemeClr val="bg1"/>
+                      </a:solidFill>
+                      <a:prstDash val="solid"/>
+                      <a:round/>
+                      <a:headEnd type="none" w="med" len="med"/>
+                      <a:tailEnd type="none" w="med" len="med"/>
+                    </a:lnL>
+                    <a:lnR w="38100" cap="flat" cmpd="sng" algn="ctr">
+                      <a:solidFill>
+                        <a:schemeClr val="bg1"/>
+                      </a:solidFill>
+                      <a:prstDash val="solid"/>
+                      <a:round/>
+                      <a:headEnd type="none" w="med" len="med"/>
+                      <a:tailEnd type="none" w="med" len="med"/>
+                    </a:lnR>
+                    <a:lnT w="6350" cap="flat" cmpd="sng" algn="ctr">
+                      <a:solidFill>
+                        <a:schemeClr val="bg1">
+                          <a:lumMod val="75000"/>
+                        </a:schemeClr>
+                      </a:solidFill>
+                      <a:prstDash val="solid"/>
+                      <a:round/>
+                      <a:headEnd type="none" w="med" len="med"/>
+                      <a:tailEnd type="none" w="med" len="med"/>
+                    </a:lnT>
+                    <a:lnB w="6350" cap="flat" cmpd="sng" algn="ctr">
+                      <a:solidFill>
+                        <a:schemeClr val="bg1">
+                          <a:lumMod val="75000"/>
+                        </a:schemeClr>
+                      </a:solidFill>
+                      <a:prstDash val="solid"/>
+                      <a:round/>
+                      <a:headEnd type="none" w="med" len="med"/>
+                      <a:tailEnd type="none" w="med" len="med"/>
+                    </a:lnB>
+                    <a:lnTlToBr w="12700" cmpd="sng">
+                      <a:noFill/>
+                      <a:prstDash val="solid"/>
+                    </a:lnTlToBr>
+                    <a:lnBlToTr w="12700" cmpd="sng">
+                      <a:noFill/>
+                      <a:prstDash val="solid"/>
+                    </a:lnBlToTr>
+                    <a:noFill/>
+                  </a:tcPr>
+                </a:tc>
+                <a:tc>
+                  <a:txBody>
+                    <a:bodyPr/>
+                    <a:lstStyle/>
+                    <a:p>
+                      <a:pPr marL="0" marR="0" indent="0" algn="ctr" defTabSz="457200" rtl="0" eaLnBrk="1" fontAlgn="auto" latinLnBrk="0" hangingPunct="1">
+                        <a:lnSpc>
+                          <a:spcPct val="100000"/>
+                        </a:lnSpc>
+                        <a:spcBef>
+                          <a:spcPts val="0"/>
+                        </a:spcBef>
+                        <a:spcAft>
+                          <a:spcPts val="0"/>
+                        </a:spcAft>
+                        <a:buClrTx/>
+                        <a:buSzTx/>
+                        <a:buFontTx/>
+                        <a:buNone/>
+                        <a:tabLst/>
+                        <a:defRPr/>
+                      </a:pPr>
+                      <a:endParaRPr lang="es-MX" sz="1400" kern="1200" dirty="0">
+                        <a:solidFill>
+                          <a:schemeClr val="tx1">
+                            <a:lumMod val="65000"/>
+                            <a:lumOff val="35000"/>
+                          </a:schemeClr>
+                        </a:solidFill>
+                        <a:latin typeface="Arial Narrow" panose="020B0606020202030204" pitchFamily="34" charset="0"/>
+                        <a:ea typeface="+mn-ea"/>
+                        <a:cs typeface="+mn-cs"/>
+                      </a:endParaRPr>
+                    </a:p>
+                  </a:txBody>
+                  <a:tcPr marL="9525" marR="9525" marT="9525" marB="0" anchor="ctr">
+                    <a:lnL w="38100" cap="flat" cmpd="sng" algn="ctr">
+                      <a:solidFill>
+                        <a:schemeClr val="bg1"/>
+                      </a:solidFill>
+                      <a:prstDash val="solid"/>
+                      <a:round/>
+                      <a:headEnd type="none" w="med" len="med"/>
+                      <a:tailEnd type="none" w="med" len="med"/>
+                    </a:lnL>
+                    <a:lnR w="6350" cap="flat" cmpd="sng" algn="ctr">
+                      <a:noFill/>
+                      <a:prstDash val="solid"/>
+                      <a:round/>
+                      <a:headEnd type="none" w="med" len="med"/>
+                      <a:tailEnd type="none" w="med" len="med"/>
+                    </a:lnR>
+                    <a:lnT w="6350" cap="flat" cmpd="sng" algn="ctr">
+                      <a:solidFill>
+                        <a:schemeClr val="bg1">
+                          <a:lumMod val="75000"/>
+                        </a:schemeClr>
+                      </a:solidFill>
+                      <a:prstDash val="solid"/>
+                      <a:round/>
+                      <a:headEnd type="none" w="med" len="med"/>
+                      <a:tailEnd type="none" w="med" len="med"/>
+                    </a:lnT>
+                    <a:lnB w="6350" cap="flat" cmpd="sng" algn="ctr">
+                      <a:solidFill>
+                        <a:schemeClr val="bg1">
+                          <a:lumMod val="75000"/>
+                        </a:schemeClr>
+                      </a:solidFill>
+                      <a:prstDash val="solid"/>
+                      <a:round/>
+                      <a:headEnd type="none" w="med" len="med"/>
+                      <a:tailEnd type="none" w="med" len="med"/>
+                    </a:lnB>
+                    <a:lnTlToBr w="12700" cmpd="sng">
+                      <a:noFill/>
+                      <a:prstDash val="solid"/>
+                    </a:lnTlToBr>
+                    <a:lnBlToTr w="12700" cmpd="sng">
+                      <a:noFill/>
+                      <a:prstDash val="solid"/>
+                    </a:lnBlToTr>
+                    <a:noFill/>
+                  </a:tcPr>
+                </a:tc>
+              </a:tr>
+              <a:tr h="489097">
+                <a:tc>
+                  <a:txBody>
+                    <a:bodyPr/>
+                    <a:lstStyle/>
+                    <a:p>
+                      <a:endParaRPr lang="es-MX" sz="1400" b="1" dirty="0">
+                        <a:solidFill>
+                          <a:schemeClr val="tx1">
+                            <a:lumMod val="65000"/>
+                            <a:lumOff val="35000"/>
+                          </a:schemeClr>
+                        </a:solidFill>
+                        <a:latin typeface="Arial Narrow" panose="020B0606020202030204" pitchFamily="34" charset="0"/>
+                      </a:endParaRPr>
+                    </a:p>
+                  </a:txBody>
+                  <a:tcPr anchor="ctr">
+                    <a:lnL>
+                      <a:noFill/>
+                    </a:lnL>
+                    <a:lnR w="38100" cap="flat" cmpd="sng" algn="ctr">
+                      <a:solidFill>
+                        <a:schemeClr val="bg1"/>
+                      </a:solidFill>
+                      <a:prstDash val="solid"/>
+                      <a:round/>
+                      <a:headEnd type="none" w="med" len="med"/>
+                      <a:tailEnd type="none" w="med" len="med"/>
+                    </a:lnR>
+                    <a:lnT w="6350" cap="flat" cmpd="sng" algn="ctr">
+                      <a:solidFill>
+                        <a:schemeClr val="bg1">
+                          <a:lumMod val="75000"/>
+                        </a:schemeClr>
+                      </a:solidFill>
+                      <a:prstDash val="solid"/>
+                      <a:round/>
+                      <a:headEnd type="none" w="med" len="med"/>
+                      <a:tailEnd type="none" w="med" len="med"/>
+                    </a:lnT>
+                    <a:lnB w="6350" cap="flat" cmpd="sng" algn="ctr">
+                      <a:solidFill>
+                        <a:schemeClr val="bg1">
+                          <a:lumMod val="75000"/>
+                        </a:schemeClr>
+                      </a:solidFill>
+                      <a:prstDash val="solid"/>
+                      <a:round/>
+                      <a:headEnd type="none" w="med" len="med"/>
+                      <a:tailEnd type="none" w="med" len="med"/>
+                    </a:lnB>
+                    <a:lnTlToBr w="12700" cmpd="sng">
+                      <a:noFill/>
+                      <a:prstDash val="solid"/>
+                    </a:lnTlToBr>
+                    <a:lnBlToTr w="12700" cmpd="sng">
+                      <a:noFill/>
+                      <a:prstDash val="solid"/>
+                    </a:lnBlToTr>
+                    <a:noFill/>
+                  </a:tcPr>
+                </a:tc>
+                <a:tc>
+                  <a:txBody>
+                    <a:bodyPr/>
+                    <a:lstStyle/>
+                    <a:p>
+                      <a:pPr algn="ctr"/>
+                      <a:endParaRPr lang="es-MX" sz="1400" dirty="0">
+                        <a:solidFill>
+                          <a:schemeClr val="tx1">
+                            <a:lumMod val="65000"/>
+                            <a:lumOff val="35000"/>
+                          </a:schemeClr>
+                        </a:solidFill>
+                        <a:latin typeface="Arial Narrow" panose="020B0606020202030204" pitchFamily="34" charset="0"/>
+                      </a:endParaRPr>
+                    </a:p>
+                  </a:txBody>
+                  <a:tcPr anchor="ctr">
+                    <a:lnL w="38100" cap="flat" cmpd="sng" algn="ctr">
+                      <a:solidFill>
+                        <a:schemeClr val="bg1"/>
+                      </a:solidFill>
+                      <a:prstDash val="solid"/>
+                      <a:round/>
+                      <a:headEnd type="none" w="med" len="med"/>
+                      <a:tailEnd type="none" w="med" len="med"/>
+                    </a:lnL>
+                    <a:lnR w="38100" cap="flat" cmpd="sng" algn="ctr">
+                      <a:solidFill>
+                        <a:schemeClr val="bg1"/>
+                      </a:solidFill>
+                      <a:prstDash val="solid"/>
+                      <a:round/>
+                      <a:headEnd type="none" w="med" len="med"/>
+                      <a:tailEnd type="none" w="med" len="med"/>
+                    </a:lnR>
+                    <a:lnT w="6350" cap="flat" cmpd="sng" algn="ctr">
+                      <a:solidFill>
+                        <a:schemeClr val="bg1">
+                          <a:lumMod val="75000"/>
+                        </a:schemeClr>
+                      </a:solidFill>
+                      <a:prstDash val="solid"/>
+                      <a:round/>
+                      <a:headEnd type="none" w="med" len="med"/>
+                      <a:tailEnd type="none" w="med" len="med"/>
+                    </a:lnT>
+                    <a:lnB w="6350" cap="flat" cmpd="sng" algn="ctr">
+                      <a:solidFill>
+                        <a:schemeClr val="bg1">
+                          <a:lumMod val="75000"/>
+                        </a:schemeClr>
+                      </a:solidFill>
+                      <a:prstDash val="solid"/>
+                      <a:round/>
+                      <a:headEnd type="none" w="med" len="med"/>
+                      <a:tailEnd type="none" w="med" len="med"/>
+                    </a:lnB>
+                    <a:lnTlToBr w="12700" cmpd="sng">
+                      <a:noFill/>
+                      <a:prstDash val="solid"/>
+                    </a:lnTlToBr>
+                    <a:lnBlToTr w="12700" cmpd="sng">
+                      <a:noFill/>
+                      <a:prstDash val="solid"/>
+                    </a:lnBlToTr>
+                    <a:solidFill>
+                      <a:schemeClr val="bg1">
+                        <a:lumMod val="95000"/>
+                      </a:schemeClr>
+                    </a:solidFill>
+                  </a:tcPr>
+                </a:tc>
+                <a:tc>
+                  <a:txBody>
+                    <a:bodyPr/>
+                    <a:lstStyle/>
+                    <a:p>
+                      <a:pPr marL="0" marR="0" indent="0" algn="ctr" defTabSz="457200" rtl="0" eaLnBrk="1" fontAlgn="auto" latinLnBrk="0" hangingPunct="1">
+                        <a:lnSpc>
+                          <a:spcPct val="100000"/>
+                        </a:lnSpc>
+                        <a:spcBef>
+                          <a:spcPts val="0"/>
+                        </a:spcBef>
+                        <a:spcAft>
+                          <a:spcPts val="0"/>
+                        </a:spcAft>
+                        <a:buClrTx/>
+                        <a:buSzTx/>
+                        <a:buFontTx/>
+                        <a:buNone/>
+                        <a:tabLst/>
+                        <a:defRPr/>
+                      </a:pPr>
+                      <a:endParaRPr lang="es-MX" sz="1400" kern="1200" dirty="0">
+                        <a:solidFill>
+                          <a:schemeClr val="tx1">
+                            <a:lumMod val="65000"/>
+                            <a:lumOff val="35000"/>
+                          </a:schemeClr>
+                        </a:solidFill>
+                        <a:latin typeface="Arial Narrow" panose="020B0606020202030204" pitchFamily="34" charset="0"/>
+                        <a:ea typeface="+mn-ea"/>
+                        <a:cs typeface="+mn-cs"/>
+                      </a:endParaRPr>
+                    </a:p>
+                  </a:txBody>
+                  <a:tcPr marL="9525" marR="9525" marT="9525" marB="0" anchor="ctr">
+                    <a:lnL w="38100" cap="flat" cmpd="sng" algn="ctr">
+                      <a:solidFill>
+                        <a:schemeClr val="bg1"/>
+                      </a:solidFill>
+                      <a:prstDash val="solid"/>
+                      <a:round/>
+                      <a:headEnd type="none" w="med" len="med"/>
+                      <a:tailEnd type="none" w="med" len="med"/>
+                    </a:lnL>
+                    <a:lnR w="38100" cap="flat" cmpd="sng" algn="ctr">
+                      <a:solidFill>
+                        <a:schemeClr val="bg1"/>
+                      </a:solidFill>
+                      <a:prstDash val="solid"/>
+                      <a:round/>
+                      <a:headEnd type="none" w="med" len="med"/>
+                      <a:tailEnd type="none" w="med" len="med"/>
+                    </a:lnR>
+                    <a:lnT w="6350" cap="flat" cmpd="sng" algn="ctr">
+                      <a:solidFill>
+                        <a:schemeClr val="bg1">
+                          <a:lumMod val="75000"/>
+                        </a:schemeClr>
+                      </a:solidFill>
+                      <a:prstDash val="solid"/>
+                      <a:round/>
+                      <a:headEnd type="none" w="med" len="med"/>
+                      <a:tailEnd type="none" w="med" len="med"/>
+                    </a:lnT>
+                    <a:lnB w="6350" cap="flat" cmpd="sng" algn="ctr">
+                      <a:solidFill>
+                        <a:schemeClr val="bg1">
+                          <a:lumMod val="75000"/>
+                        </a:schemeClr>
+                      </a:solidFill>
+                      <a:prstDash val="solid"/>
+                      <a:round/>
+                      <a:headEnd type="none" w="med" len="med"/>
+                      <a:tailEnd type="none" w="med" len="med"/>
+                    </a:lnB>
+                    <a:lnTlToBr w="12700" cmpd="sng">
+                      <a:noFill/>
+                      <a:prstDash val="solid"/>
+                    </a:lnTlToBr>
+                    <a:lnBlToTr w="12700" cmpd="sng">
+                      <a:noFill/>
+                      <a:prstDash val="solid"/>
+                    </a:lnBlToTr>
+                    <a:noFill/>
+                  </a:tcPr>
+                </a:tc>
+                <a:tc>
+                  <a:txBody>
+                    <a:bodyPr/>
+                    <a:lstStyle/>
+                    <a:p>
+                      <a:pPr marL="0" marR="0" indent="0" algn="ctr" defTabSz="457200" rtl="0" eaLnBrk="1" fontAlgn="auto" latinLnBrk="0" hangingPunct="1">
+                        <a:lnSpc>
+                          <a:spcPct val="100000"/>
+                        </a:lnSpc>
+                        <a:spcBef>
+                          <a:spcPts val="0"/>
+                        </a:spcBef>
+                        <a:spcAft>
+                          <a:spcPts val="0"/>
+                        </a:spcAft>
+                        <a:buClrTx/>
+                        <a:buSzTx/>
+                        <a:buFontTx/>
+                        <a:buNone/>
+                        <a:tabLst/>
+                        <a:defRPr/>
+                      </a:pPr>
+                      <a:endParaRPr lang="es-MX" sz="1400" kern="1200" dirty="0">
+                        <a:solidFill>
+                          <a:schemeClr val="tx1">
+                            <a:lumMod val="65000"/>
+                            <a:lumOff val="35000"/>
+                          </a:schemeClr>
+                        </a:solidFill>
+                        <a:latin typeface="Arial Narrow" panose="020B0606020202030204" pitchFamily="34" charset="0"/>
+                        <a:ea typeface="+mn-ea"/>
+                        <a:cs typeface="+mn-cs"/>
+                      </a:endParaRPr>
+                    </a:p>
+                  </a:txBody>
+                  <a:tcPr marL="9525" marR="9525" marT="9525" marB="0" anchor="ctr">
+                    <a:lnL w="38100" cap="flat" cmpd="sng" algn="ctr">
+                      <a:solidFill>
+                        <a:schemeClr val="bg1"/>
+                      </a:solidFill>
+                      <a:prstDash val="solid"/>
+                      <a:round/>
+                      <a:headEnd type="none" w="med" len="med"/>
+                      <a:tailEnd type="none" w="med" len="med"/>
+                    </a:lnL>
+                    <a:lnR w="6350" cap="flat" cmpd="sng" algn="ctr">
+                      <a:noFill/>
+                      <a:prstDash val="solid"/>
+                      <a:round/>
+                      <a:headEnd type="none" w="med" len="med"/>
+                      <a:tailEnd type="none" w="med" len="med"/>
+                    </a:lnR>
+                    <a:lnT w="6350" cap="flat" cmpd="sng" algn="ctr">
+                      <a:solidFill>
+                        <a:schemeClr val="bg1">
+                          <a:lumMod val="75000"/>
+                        </a:schemeClr>
+                      </a:solidFill>
+                      <a:prstDash val="solid"/>
+                      <a:round/>
+                      <a:headEnd type="none" w="med" len="med"/>
+                      <a:tailEnd type="none" w="med" len="med"/>
+                    </a:lnT>
+                    <a:lnB w="6350" cap="flat" cmpd="sng" algn="ctr">
+                      <a:solidFill>
+                        <a:schemeClr val="bg1">
+                          <a:lumMod val="75000"/>
+                        </a:schemeClr>
+                      </a:solidFill>
+                      <a:prstDash val="solid"/>
+                      <a:round/>
+                      <a:headEnd type="none" w="med" len="med"/>
+                      <a:tailEnd type="none" w="med" len="med"/>
+                    </a:lnB>
+                    <a:lnTlToBr w="12700" cmpd="sng">
+                      <a:noFill/>
+                      <a:prstDash val="solid"/>
+                    </a:lnTlToBr>
+                    <a:lnBlToTr w="12700" cmpd="sng">
+                      <a:noFill/>
+                      <a:prstDash val="solid"/>
+                    </a:lnBlToTr>
+                    <a:noFill/>
+                  </a:tcPr>
+                </a:tc>
+              </a:tr>
+              <a:tr h="489097">
+                <a:tc>
+                  <a:txBody>
+                    <a:bodyPr/>
+                    <a:lstStyle/>
+                    <a:p>
+                      <a:endParaRPr lang="es-MX" sz="1400" b="1" dirty="0">
+                        <a:solidFill>
+                          <a:schemeClr val="tx1">
+                            <a:lumMod val="65000"/>
+                            <a:lumOff val="35000"/>
+                          </a:schemeClr>
+                        </a:solidFill>
+                        <a:latin typeface="Arial Narrow" panose="020B0606020202030204" pitchFamily="34" charset="0"/>
+                      </a:endParaRPr>
+                    </a:p>
+                  </a:txBody>
+                  <a:tcPr anchor="ctr">
+                    <a:lnL>
+                      <a:noFill/>
+                    </a:lnL>
+                    <a:lnR w="38100" cap="flat" cmpd="sng" algn="ctr">
+                      <a:solidFill>
+                        <a:schemeClr val="bg1"/>
+                      </a:solidFill>
+                      <a:prstDash val="solid"/>
+                      <a:round/>
+                      <a:headEnd type="none" w="med" len="med"/>
+                      <a:tailEnd type="none" w="med" len="med"/>
+                    </a:lnR>
+                    <a:lnT w="6350" cap="flat" cmpd="sng" algn="ctr">
+                      <a:solidFill>
+                        <a:schemeClr val="bg1">
+                          <a:lumMod val="75000"/>
+                        </a:schemeClr>
+                      </a:solidFill>
+                      <a:prstDash val="solid"/>
+                      <a:round/>
+                      <a:headEnd type="none" w="med" len="med"/>
+                      <a:tailEnd type="none" w="med" len="med"/>
+                    </a:lnT>
+                    <a:lnB w="6350" cap="flat" cmpd="sng" algn="ctr">
+                      <a:solidFill>
+                        <a:schemeClr val="bg1">
+                          <a:lumMod val="75000"/>
+                        </a:schemeClr>
+                      </a:solidFill>
+                      <a:prstDash val="solid"/>
+                      <a:round/>
+                      <a:headEnd type="none" w="med" len="med"/>
+                      <a:tailEnd type="none" w="med" len="med"/>
+                    </a:lnB>
+                    <a:lnTlToBr w="12700" cmpd="sng">
+                      <a:noFill/>
+                      <a:prstDash val="solid"/>
+                    </a:lnTlToBr>
+                    <a:lnBlToTr w="12700" cmpd="sng">
+                      <a:noFill/>
+                      <a:prstDash val="solid"/>
+                    </a:lnBlToTr>
+                    <a:noFill/>
+                  </a:tcPr>
+                </a:tc>
+                <a:tc>
+                  <a:txBody>
+                    <a:bodyPr/>
+                    <a:lstStyle/>
+                    <a:p>
+                      <a:pPr algn="ctr"/>
+                      <a:endParaRPr lang="es-MX" sz="1400" dirty="0">
+                        <a:solidFill>
+                          <a:schemeClr val="tx1">
+                            <a:lumMod val="65000"/>
+                            <a:lumOff val="35000"/>
+                          </a:schemeClr>
+                        </a:solidFill>
+                        <a:latin typeface="Arial Narrow" panose="020B0606020202030204" pitchFamily="34" charset="0"/>
+                      </a:endParaRPr>
+                    </a:p>
+                  </a:txBody>
+                  <a:tcPr anchor="ctr">
+                    <a:lnL w="38100" cap="flat" cmpd="sng" algn="ctr">
+                      <a:solidFill>
+                        <a:schemeClr val="bg1"/>
+                      </a:solidFill>
+                      <a:prstDash val="solid"/>
+                      <a:round/>
+                      <a:headEnd type="none" w="med" len="med"/>
+                      <a:tailEnd type="none" w="med" len="med"/>
+                    </a:lnL>
+                    <a:lnR w="38100" cap="flat" cmpd="sng" algn="ctr">
+                      <a:solidFill>
+                        <a:schemeClr val="bg1"/>
+                      </a:solidFill>
+                      <a:prstDash val="solid"/>
+                      <a:round/>
+                      <a:headEnd type="none" w="med" len="med"/>
+                      <a:tailEnd type="none" w="med" len="med"/>
+                    </a:lnR>
+                    <a:lnT w="6350" cap="flat" cmpd="sng" algn="ctr">
+                      <a:solidFill>
+                        <a:schemeClr val="bg1">
+                          <a:lumMod val="75000"/>
+                        </a:schemeClr>
+                      </a:solidFill>
+                      <a:prstDash val="solid"/>
+                      <a:round/>
+                      <a:headEnd type="none" w="med" len="med"/>
+                      <a:tailEnd type="none" w="med" len="med"/>
+                    </a:lnT>
+                    <a:lnB w="6350" cap="flat" cmpd="sng" algn="ctr">
+                      <a:solidFill>
+                        <a:schemeClr val="bg1">
+                          <a:lumMod val="75000"/>
+                        </a:schemeClr>
+                      </a:solidFill>
+                      <a:prstDash val="solid"/>
+                      <a:round/>
+                      <a:headEnd type="none" w="med" len="med"/>
+                      <a:tailEnd type="none" w="med" len="med"/>
+                    </a:lnB>
+                    <a:lnTlToBr w="12700" cmpd="sng">
+                      <a:noFill/>
+                      <a:prstDash val="solid"/>
+                    </a:lnTlToBr>
+                    <a:lnBlToTr w="12700" cmpd="sng">
+                      <a:noFill/>
+                      <a:prstDash val="solid"/>
+                    </a:lnBlToTr>
+                    <a:solidFill>
+                      <a:schemeClr val="bg1">
+                        <a:lumMod val="95000"/>
+                      </a:schemeClr>
+                    </a:solidFill>
+                  </a:tcPr>
+                </a:tc>
+                <a:tc>
+                  <a:txBody>
+                    <a:bodyPr/>
+                    <a:lstStyle/>
+                    <a:p>
+                      <a:pPr marL="0" marR="0" indent="0" algn="ctr" defTabSz="457200" rtl="0" eaLnBrk="1" fontAlgn="auto" latinLnBrk="0" hangingPunct="1">
+                        <a:lnSpc>
+                          <a:spcPct val="100000"/>
+                        </a:lnSpc>
+                        <a:spcBef>
+                          <a:spcPts val="0"/>
+                        </a:spcBef>
+                        <a:spcAft>
+                          <a:spcPts val="0"/>
+                        </a:spcAft>
+                        <a:buClrTx/>
+                        <a:buSzTx/>
+                        <a:buFontTx/>
+                        <a:buNone/>
+                        <a:tabLst/>
+                        <a:defRPr/>
+                      </a:pPr>
+                      <a:endParaRPr lang="es-MX" sz="1400" kern="1200" dirty="0">
+                        <a:solidFill>
+                          <a:schemeClr val="tx1">
+                            <a:lumMod val="65000"/>
+                            <a:lumOff val="35000"/>
+                          </a:schemeClr>
+                        </a:solidFill>
+                        <a:latin typeface="Arial Narrow" panose="020B0606020202030204" pitchFamily="34" charset="0"/>
+                        <a:ea typeface="+mn-ea"/>
+                        <a:cs typeface="+mn-cs"/>
+                      </a:endParaRPr>
+                    </a:p>
+                  </a:txBody>
+                  <a:tcPr marL="9525" marR="9525" marT="9525" marB="0" anchor="ctr">
+                    <a:lnL w="38100" cap="flat" cmpd="sng" algn="ctr">
+                      <a:solidFill>
+                        <a:schemeClr val="bg1"/>
+                      </a:solidFill>
+                      <a:prstDash val="solid"/>
+                      <a:round/>
+                      <a:headEnd type="none" w="med" len="med"/>
+                      <a:tailEnd type="none" w="med" len="med"/>
+                    </a:lnL>
+                    <a:lnR w="38100" cap="flat" cmpd="sng" algn="ctr">
+                      <a:solidFill>
+                        <a:schemeClr val="bg1"/>
+                      </a:solidFill>
+                      <a:prstDash val="solid"/>
+                      <a:round/>
+                      <a:headEnd type="none" w="med" len="med"/>
+                      <a:tailEnd type="none" w="med" len="med"/>
+                    </a:lnR>
+                    <a:lnT w="6350" cap="flat" cmpd="sng" algn="ctr">
+                      <a:solidFill>
+                        <a:schemeClr val="bg1">
+                          <a:lumMod val="75000"/>
+                        </a:schemeClr>
+                      </a:solidFill>
+                      <a:prstDash val="solid"/>
+                      <a:round/>
+                      <a:headEnd type="none" w="med" len="med"/>
+                      <a:tailEnd type="none" w="med" len="med"/>
+                    </a:lnT>
+                    <a:lnB w="6350" cap="flat" cmpd="sng" algn="ctr">
+                      <a:solidFill>
+                        <a:schemeClr val="bg1">
+                          <a:lumMod val="75000"/>
+                        </a:schemeClr>
+                      </a:solidFill>
+                      <a:prstDash val="solid"/>
+                      <a:round/>
+                      <a:headEnd type="none" w="med" len="med"/>
+                      <a:tailEnd type="none" w="med" len="med"/>
+                    </a:lnB>
+                    <a:lnTlToBr w="12700" cmpd="sng">
+                      <a:noFill/>
+                      <a:prstDash val="solid"/>
+                    </a:lnTlToBr>
+                    <a:lnBlToTr w="12700" cmpd="sng">
+                      <a:noFill/>
+                      <a:prstDash val="solid"/>
+                    </a:lnBlToTr>
+                    <a:noFill/>
+                  </a:tcPr>
+                </a:tc>
+                <a:tc>
+                  <a:txBody>
+                    <a:bodyPr/>
+                    <a:lstStyle/>
+                    <a:p>
+                      <a:pPr marL="0" marR="0" indent="0" algn="ctr" defTabSz="457200" rtl="0" eaLnBrk="1" fontAlgn="auto" latinLnBrk="0" hangingPunct="1">
+                        <a:lnSpc>
+                          <a:spcPct val="100000"/>
+                        </a:lnSpc>
+                        <a:spcBef>
+                          <a:spcPts val="0"/>
+                        </a:spcBef>
+                        <a:spcAft>
+                          <a:spcPts val="0"/>
+                        </a:spcAft>
+                        <a:buClrTx/>
+                        <a:buSzTx/>
+                        <a:buFontTx/>
+                        <a:buNone/>
+                        <a:tabLst/>
+                        <a:defRPr/>
+                      </a:pPr>
+                      <a:endParaRPr lang="es-MX" sz="1400" kern="1200" dirty="0">
+                        <a:solidFill>
+                          <a:schemeClr val="tx1">
+                            <a:lumMod val="65000"/>
+                            <a:lumOff val="35000"/>
+                          </a:schemeClr>
+                        </a:solidFill>
+                        <a:latin typeface="Arial Narrow" panose="020B0606020202030204" pitchFamily="34" charset="0"/>
+                        <a:ea typeface="+mn-ea"/>
+                        <a:cs typeface="+mn-cs"/>
+                      </a:endParaRPr>
+                    </a:p>
+                  </a:txBody>
+                  <a:tcPr marL="9525" marR="9525" marT="9525" marB="0" anchor="ctr">
+                    <a:lnL w="38100" cap="flat" cmpd="sng" algn="ctr">
+                      <a:solidFill>
+                        <a:schemeClr val="bg1"/>
+                      </a:solidFill>
+                      <a:prstDash val="solid"/>
+                      <a:round/>
+                      <a:headEnd type="none" w="med" len="med"/>
+                      <a:tailEnd type="none" w="med" len="med"/>
+                    </a:lnL>
+                    <a:lnR w="6350" cap="flat" cmpd="sng" algn="ctr">
+                      <a:noFill/>
+                      <a:prstDash val="solid"/>
+                      <a:round/>
+                      <a:headEnd type="none" w="med" len="med"/>
+                      <a:tailEnd type="none" w="med" len="med"/>
+                    </a:lnR>
+                    <a:lnT w="6350" cap="flat" cmpd="sng" algn="ctr">
+                      <a:solidFill>
+                        <a:schemeClr val="bg1">
+                          <a:lumMod val="75000"/>
+                        </a:schemeClr>
+                      </a:solidFill>
+                      <a:prstDash val="solid"/>
+                      <a:round/>
+                      <a:headEnd type="none" w="med" len="med"/>
+                      <a:tailEnd type="none" w="med" len="med"/>
+                    </a:lnT>
+                    <a:lnB w="6350" cap="flat" cmpd="sng" algn="ctr">
+                      <a:solidFill>
+                        <a:schemeClr val="bg1">
+                          <a:lumMod val="75000"/>
+                        </a:schemeClr>
+                      </a:solidFill>
+                      <a:prstDash val="solid"/>
+                      <a:round/>
+                      <a:headEnd type="none" w="med" len="med"/>
+                      <a:tailEnd type="none" w="med" len="med"/>
+                    </a:lnB>
+                    <a:lnTlToBr w="12700" cmpd="sng">
+                      <a:noFill/>
+                      <a:prstDash val="solid"/>
+                    </a:lnTlToBr>
+                    <a:lnBlToTr w="12700" cmpd="sng">
+                      <a:noFill/>
+                      <a:prstDash val="solid"/>
+                    </a:lnBlToTr>
+                    <a:noFill/>
+                  </a:tcPr>
+                </a:tc>
+              </a:tr>
+              <a:tr h="489097">
+                <a:tc>
+                  <a:txBody>
+                    <a:bodyPr/>
+                    <a:lstStyle/>
+                    <a:p>
+                      <a:endParaRPr lang="es-MX" sz="1400" b="1" dirty="0">
+                        <a:solidFill>
+                          <a:schemeClr val="tx1">
+                            <a:lumMod val="65000"/>
+                            <a:lumOff val="35000"/>
+                          </a:schemeClr>
+                        </a:solidFill>
+                        <a:latin typeface="Arial Narrow" panose="020B0606020202030204" pitchFamily="34" charset="0"/>
+                      </a:endParaRPr>
+                    </a:p>
+                  </a:txBody>
+                  <a:tcPr anchor="ctr">
+                    <a:lnL>
+                      <a:noFill/>
+                    </a:lnL>
+                    <a:lnR w="38100" cap="flat" cmpd="sng" algn="ctr">
+                      <a:solidFill>
+                        <a:schemeClr val="bg1"/>
+                      </a:solidFill>
+                      <a:prstDash val="solid"/>
+                      <a:round/>
+                      <a:headEnd type="none" w="med" len="med"/>
+                      <a:tailEnd type="none" w="med" len="med"/>
+                    </a:lnR>
+                    <a:lnT w="6350" cap="flat" cmpd="sng" algn="ctr">
+                      <a:solidFill>
+                        <a:schemeClr val="bg1">
+                          <a:lumMod val="75000"/>
+                        </a:schemeClr>
+                      </a:solidFill>
+                      <a:prstDash val="solid"/>
+                      <a:round/>
+                      <a:headEnd type="none" w="med" len="med"/>
+                      <a:tailEnd type="none" w="med" len="med"/>
+                    </a:lnT>
+                    <a:lnB w="6350" cap="flat" cmpd="sng" algn="ctr">
+                      <a:solidFill>
+                        <a:schemeClr val="bg1">
+                          <a:lumMod val="75000"/>
+                        </a:schemeClr>
+                      </a:solidFill>
+                      <a:prstDash val="solid"/>
+                      <a:round/>
+                      <a:headEnd type="none" w="med" len="med"/>
+                      <a:tailEnd type="none" w="med" len="med"/>
+                    </a:lnB>
+                    <a:lnTlToBr w="12700" cmpd="sng">
+                      <a:noFill/>
+                      <a:prstDash val="solid"/>
+                    </a:lnTlToBr>
+                    <a:lnBlToTr w="12700" cmpd="sng">
+                      <a:noFill/>
+                      <a:prstDash val="solid"/>
+                    </a:lnBlToTr>
+                    <a:noFill/>
+                  </a:tcPr>
+                </a:tc>
+                <a:tc>
+                  <a:txBody>
+                    <a:bodyPr/>
+                    <a:lstStyle/>
+                    <a:p>
+                      <a:pPr algn="ctr"/>
+                      <a:endParaRPr lang="es-MX" sz="1400" dirty="0">
+                        <a:solidFill>
+                          <a:schemeClr val="tx1">
+                            <a:lumMod val="65000"/>
+                            <a:lumOff val="35000"/>
+                          </a:schemeClr>
+                        </a:solidFill>
+                        <a:latin typeface="Arial Narrow" panose="020B0606020202030204" pitchFamily="34" charset="0"/>
+                      </a:endParaRPr>
+                    </a:p>
+                  </a:txBody>
+                  <a:tcPr anchor="ctr">
+                    <a:lnL w="38100" cap="flat" cmpd="sng" algn="ctr">
+                      <a:solidFill>
+                        <a:schemeClr val="bg1"/>
+                      </a:solidFill>
+                      <a:prstDash val="solid"/>
+                      <a:round/>
+                      <a:headEnd type="none" w="med" len="med"/>
+                      <a:tailEnd type="none" w="med" len="med"/>
+                    </a:lnL>
+                    <a:lnR w="38100" cap="flat" cmpd="sng" algn="ctr">
+                      <a:solidFill>
+                        <a:schemeClr val="bg1"/>
+                      </a:solidFill>
+                      <a:prstDash val="solid"/>
+                      <a:round/>
+                      <a:headEnd type="none" w="med" len="med"/>
+                      <a:tailEnd type="none" w="med" len="med"/>
+                    </a:lnR>
+                    <a:lnT w="6350" cap="flat" cmpd="sng" algn="ctr">
+                      <a:solidFill>
+                        <a:schemeClr val="bg1">
+                          <a:lumMod val="75000"/>
+                        </a:schemeClr>
+                      </a:solidFill>
+                      <a:prstDash val="solid"/>
+                      <a:round/>
+                      <a:headEnd type="none" w="med" len="med"/>
+                      <a:tailEnd type="none" w="med" len="med"/>
+                    </a:lnT>
+                    <a:lnB w="6350" cap="flat" cmpd="sng" algn="ctr">
+                      <a:solidFill>
+                        <a:schemeClr val="bg1">
+                          <a:lumMod val="75000"/>
+                        </a:schemeClr>
+                      </a:solidFill>
+                      <a:prstDash val="solid"/>
+                      <a:round/>
+                      <a:headEnd type="none" w="med" len="med"/>
+                      <a:tailEnd type="none" w="med" len="med"/>
+                    </a:lnB>
+                    <a:lnTlToBr w="12700" cmpd="sng">
+                      <a:noFill/>
+                      <a:prstDash val="solid"/>
+                    </a:lnTlToBr>
+                    <a:lnBlToTr w="12700" cmpd="sng">
+                      <a:noFill/>
+                      <a:prstDash val="solid"/>
+                    </a:lnBlToTr>
+                    <a:solidFill>
+                      <a:schemeClr val="bg1">
+                        <a:lumMod val="95000"/>
+                      </a:schemeClr>
+                    </a:solidFill>
+                  </a:tcPr>
+                </a:tc>
+                <a:tc>
+                  <a:txBody>
+                    <a:bodyPr/>
+                    <a:lstStyle/>
+                    <a:p>
+                      <a:pPr marL="0" marR="0" indent="0" algn="ctr" defTabSz="457200" rtl="0" eaLnBrk="1" fontAlgn="auto" latinLnBrk="0" hangingPunct="1">
+                        <a:lnSpc>
+                          <a:spcPct val="100000"/>
+                        </a:lnSpc>
+                        <a:spcBef>
+                          <a:spcPts val="0"/>
+                        </a:spcBef>
+                        <a:spcAft>
+                          <a:spcPts val="0"/>
+                        </a:spcAft>
+                        <a:buClrTx/>
+                        <a:buSzTx/>
+                        <a:buFontTx/>
+                        <a:buNone/>
+                        <a:tabLst/>
+                        <a:defRPr/>
+                      </a:pPr>
+                      <a:endParaRPr lang="es-MX" sz="1400" kern="1200" dirty="0">
+                        <a:solidFill>
+                          <a:schemeClr val="tx1">
+                            <a:lumMod val="65000"/>
+                            <a:lumOff val="35000"/>
+                          </a:schemeClr>
+                        </a:solidFill>
+                        <a:latin typeface="Arial Narrow" panose="020B0606020202030204" pitchFamily="34" charset="0"/>
+                        <a:ea typeface="+mn-ea"/>
+                        <a:cs typeface="+mn-cs"/>
+                      </a:endParaRPr>
+                    </a:p>
+                  </a:txBody>
+                  <a:tcPr marL="9525" marR="9525" marT="9525" marB="0" anchor="ctr">
+                    <a:lnL w="38100" cap="flat" cmpd="sng" algn="ctr">
+                      <a:solidFill>
+                        <a:schemeClr val="bg1"/>
+                      </a:solidFill>
+                      <a:prstDash val="solid"/>
+                      <a:round/>
+                      <a:headEnd type="none" w="med" len="med"/>
+                      <a:tailEnd type="none" w="med" len="med"/>
+                    </a:lnL>
+                    <a:lnR w="38100" cap="flat" cmpd="sng" algn="ctr">
+                      <a:solidFill>
+                        <a:schemeClr val="bg1"/>
+                      </a:solidFill>
+                      <a:prstDash val="solid"/>
+                      <a:round/>
+                      <a:headEnd type="none" w="med" len="med"/>
+                      <a:tailEnd type="none" w="med" len="med"/>
+                    </a:lnR>
+                    <a:lnT w="6350" cap="flat" cmpd="sng" algn="ctr">
+                      <a:solidFill>
+                        <a:schemeClr val="bg1">
+                          <a:lumMod val="75000"/>
+                        </a:schemeClr>
+                      </a:solidFill>
+                      <a:prstDash val="solid"/>
+                      <a:round/>
+                      <a:headEnd type="none" w="med" len="med"/>
+                      <a:tailEnd type="none" w="med" len="med"/>
+                    </a:lnT>
+                    <a:lnB w="6350" cap="flat" cmpd="sng" algn="ctr">
+                      <a:solidFill>
+                        <a:schemeClr val="bg1">
+                          <a:lumMod val="75000"/>
+                        </a:schemeClr>
+                      </a:solidFill>
+                      <a:prstDash val="solid"/>
+                      <a:round/>
+                      <a:headEnd type="none" w="med" len="med"/>
+                      <a:tailEnd type="none" w="med" len="med"/>
+                    </a:lnB>
+                    <a:lnTlToBr w="12700" cmpd="sng">
+                      <a:noFill/>
+                      <a:prstDash val="solid"/>
+                    </a:lnTlToBr>
+                    <a:lnBlToTr w="12700" cmpd="sng">
+                      <a:noFill/>
+                      <a:prstDash val="solid"/>
+                    </a:lnBlToTr>
+                    <a:noFill/>
+                  </a:tcPr>
+                </a:tc>
+                <a:tc>
+                  <a:txBody>
+                    <a:bodyPr/>
+                    <a:lstStyle/>
+                    <a:p>
+                      <a:pPr marL="0" marR="0" indent="0" algn="ctr" defTabSz="457200" rtl="0" eaLnBrk="1" fontAlgn="auto" latinLnBrk="0" hangingPunct="1">
+                        <a:lnSpc>
+                          <a:spcPct val="100000"/>
+                        </a:lnSpc>
+                        <a:spcBef>
+                          <a:spcPts val="0"/>
+                        </a:spcBef>
+                        <a:spcAft>
+                          <a:spcPts val="0"/>
+                        </a:spcAft>
+                        <a:buClrTx/>
+                        <a:buSzTx/>
+                        <a:buFontTx/>
+                        <a:buNone/>
+                        <a:tabLst/>
+                        <a:defRPr/>
+                      </a:pPr>
+                      <a:endParaRPr lang="es-MX" sz="1400" kern="1200" dirty="0">
+                        <a:solidFill>
+                          <a:schemeClr val="tx1">
+                            <a:lumMod val="65000"/>
+                            <a:lumOff val="35000"/>
+                          </a:schemeClr>
+                        </a:solidFill>
+                        <a:latin typeface="Arial Narrow" panose="020B0606020202030204" pitchFamily="34" charset="0"/>
+                        <a:ea typeface="+mn-ea"/>
+                        <a:cs typeface="+mn-cs"/>
+                      </a:endParaRPr>
+                    </a:p>
+                  </a:txBody>
+                  <a:tcPr marL="9525" marR="9525" marT="9525" marB="0" anchor="ctr">
+                    <a:lnL w="38100" cap="flat" cmpd="sng" algn="ctr">
+                      <a:solidFill>
+                        <a:schemeClr val="bg1"/>
+                      </a:solidFill>
+                      <a:prstDash val="solid"/>
+                      <a:round/>
+                      <a:headEnd type="none" w="med" len="med"/>
+                      <a:tailEnd type="none" w="med" len="med"/>
+                    </a:lnL>
+                    <a:lnR w="6350" cap="flat" cmpd="sng" algn="ctr">
+                      <a:noFill/>
+                      <a:prstDash val="solid"/>
+                      <a:round/>
+                      <a:headEnd type="none" w="med" len="med"/>
+                      <a:tailEnd type="none" w="med" len="med"/>
+                    </a:lnR>
+                    <a:lnT w="6350" cap="flat" cmpd="sng" algn="ctr">
+                      <a:solidFill>
+                        <a:schemeClr val="bg1">
+                          <a:lumMod val="75000"/>
+                        </a:schemeClr>
+                      </a:solidFill>
+                      <a:prstDash val="solid"/>
+                      <a:round/>
+                      <a:headEnd type="none" w="med" len="med"/>
+                      <a:tailEnd type="none" w="med" len="med"/>
+                    </a:lnT>
+                    <a:lnB w="6350" cap="flat" cmpd="sng" algn="ctr">
+                      <a:solidFill>
+                        <a:schemeClr val="bg1">
+                          <a:lumMod val="75000"/>
+                        </a:schemeClr>
+                      </a:solidFill>
+                      <a:prstDash val="solid"/>
+                      <a:round/>
+                      <a:headEnd type="none" w="med" len="med"/>
+                      <a:tailEnd type="none" w="med" len="med"/>
+                    </a:lnB>
+                    <a:lnTlToBr w="12700" cmpd="sng">
+                      <a:noFill/>
+                      <a:prstDash val="solid"/>
+                    </a:lnTlToBr>
+                    <a:lnBlToTr w="12700" cmpd="sng">
+                      <a:noFill/>
+                      <a:prstDash val="solid"/>
+                    </a:lnBlToTr>
+                    <a:noFill/>
+                  </a:tcPr>
+                </a:tc>
+              </a:tr>
+              <a:tr h="314979">
+                <a:tc>
+                  <a:txBody>
+                    <a:bodyPr/>
+                    <a:lstStyle/>
+                    <a:p>
+                      <a:r>
+                        <a:rPr lang="es-MX" sz="1400" b="1" dirty="0" smtClean="0">
+                          <a:solidFill>
+                            <a:srgbClr val="008040"/>
+                          </a:solidFill>
+                          <a:latin typeface="Arial Narrow" panose="020B0606020202030204" pitchFamily="34" charset="0"/>
+                        </a:rPr>
+                        <a:t>TOTAL</a:t>
+                      </a:r>
+                    </a:p>
+                    <a:p>
+                      <a:endParaRPr lang="es-MX" sz="1400" b="1" dirty="0">
+                        <a:solidFill>
+                          <a:srgbClr val="008040"/>
+                        </a:solidFill>
+                        <a:latin typeface="Arial Narrow" panose="020B0606020202030204" pitchFamily="34" charset="0"/>
+                      </a:endParaRPr>
+                    </a:p>
+                  </a:txBody>
+                  <a:tcPr anchor="ctr">
+                    <a:lnL>
+                      <a:noFill/>
+                    </a:lnL>
+                    <a:lnR w="38100" cap="flat" cmpd="sng" algn="ctr">
+                      <a:solidFill>
+                        <a:schemeClr val="bg1"/>
+                      </a:solidFill>
+                      <a:prstDash val="solid"/>
+                      <a:round/>
+                      <a:headEnd type="none" w="med" len="med"/>
+                      <a:tailEnd type="none" w="med" len="med"/>
+                    </a:lnR>
+                    <a:lnT w="6350" cap="flat" cmpd="sng" algn="ctr">
+                      <a:solidFill>
+                        <a:schemeClr val="bg1">
+                          <a:lumMod val="75000"/>
+                        </a:schemeClr>
+                      </a:solidFill>
+                      <a:prstDash val="solid"/>
+                      <a:round/>
+                      <a:headEnd type="none" w="med" len="med"/>
+                      <a:tailEnd type="none" w="med" len="med"/>
+                    </a:lnT>
+                    <a:lnB w="38100" cap="flat" cmpd="sng" algn="ctr">
+                      <a:solidFill>
+                        <a:schemeClr val="bg1"/>
+                      </a:solidFill>
+                      <a:prstDash val="solid"/>
+                      <a:round/>
+                      <a:headEnd type="none" w="med" len="med"/>
+                      <a:tailEnd type="none" w="med" len="med"/>
+                    </a:lnB>
+                    <a:lnTlToBr w="12700" cmpd="sng">
+                      <a:noFill/>
+                      <a:prstDash val="solid"/>
+                    </a:lnTlToBr>
+                    <a:lnBlToTr w="12700" cmpd="sng">
+                      <a:noFill/>
+                      <a:prstDash val="solid"/>
+                    </a:lnBlToTr>
+                    <a:solidFill>
+                      <a:schemeClr val="bg1">
+                        <a:lumMod val="85000"/>
+                      </a:schemeClr>
+                    </a:solidFill>
+                  </a:tcPr>
+                </a:tc>
+                <a:tc>
+                  <a:txBody>
+                    <a:bodyPr/>
+                    <a:lstStyle/>
+                    <a:p>
+                      <a:pPr algn="ctr"/>
+                      <a:endParaRPr lang="es-MX" sz="1400" b="1" dirty="0">
+                        <a:solidFill>
+                          <a:srgbClr val="008040"/>
+                        </a:solidFill>
+                        <a:latin typeface="Arial Narrow" panose="020B0606020202030204" pitchFamily="34" charset="0"/>
+                      </a:endParaRPr>
+                    </a:p>
+                  </a:txBody>
+                  <a:tcPr anchor="ctr">
+                    <a:lnL w="38100" cap="flat" cmpd="sng" algn="ctr">
+                      <a:solidFill>
+                        <a:schemeClr val="bg1"/>
+                      </a:solidFill>
+                      <a:prstDash val="solid"/>
+                      <a:round/>
+                      <a:headEnd type="none" w="med" len="med"/>
+                      <a:tailEnd type="none" w="med" len="med"/>
+                    </a:lnL>
+                    <a:lnR w="38100" cap="flat" cmpd="sng" algn="ctr">
+                      <a:solidFill>
+                        <a:schemeClr val="bg1"/>
+                      </a:solidFill>
+                      <a:prstDash val="solid"/>
+                      <a:round/>
+                      <a:headEnd type="none" w="med" len="med"/>
+                      <a:tailEnd type="none" w="med" len="med"/>
+                    </a:lnR>
+                    <a:lnT w="6350" cap="flat" cmpd="sng" algn="ctr">
+                      <a:solidFill>
+                        <a:schemeClr val="bg1">
+                          <a:lumMod val="75000"/>
+                        </a:schemeClr>
+                      </a:solidFill>
+                      <a:prstDash val="solid"/>
+                      <a:round/>
+                      <a:headEnd type="none" w="med" len="med"/>
+                      <a:tailEnd type="none" w="med" len="med"/>
+                    </a:lnT>
+                    <a:lnB w="38100" cap="flat" cmpd="sng" algn="ctr">
+                      <a:solidFill>
+                        <a:schemeClr val="bg1"/>
+                      </a:solidFill>
+                      <a:prstDash val="solid"/>
+                      <a:round/>
+                      <a:headEnd type="none" w="med" len="med"/>
+                      <a:tailEnd type="none" w="med" len="med"/>
+                    </a:lnB>
+                    <a:lnTlToBr w="12700" cmpd="sng">
+                      <a:noFill/>
+                      <a:prstDash val="solid"/>
+                    </a:lnTlToBr>
+                    <a:lnBlToTr w="12700" cmpd="sng">
+                      <a:noFill/>
+                      <a:prstDash val="solid"/>
+                    </a:lnBlToTr>
+                    <a:solidFill>
+                      <a:schemeClr val="bg1">
+                        <a:lumMod val="85000"/>
+                      </a:schemeClr>
+                    </a:solidFill>
+                  </a:tcPr>
+                </a:tc>
+                <a:tc>
+                  <a:txBody>
+                    <a:bodyPr/>
+                    <a:lstStyle/>
+                    <a:p>
+                      <a:pPr marL="0" marR="0" indent="0" algn="ctr" defTabSz="457200" rtl="0" eaLnBrk="1" fontAlgn="auto" latinLnBrk="0" hangingPunct="1">
+                        <a:lnSpc>
+                          <a:spcPct val="100000"/>
+                        </a:lnSpc>
+                        <a:spcBef>
+                          <a:spcPts val="0"/>
+                        </a:spcBef>
+                        <a:spcAft>
+                          <a:spcPts val="0"/>
+                        </a:spcAft>
+                        <a:buClrTx/>
+                        <a:buSzTx/>
+                        <a:buFontTx/>
+                        <a:buNone/>
+                        <a:tabLst/>
+                        <a:defRPr/>
+                      </a:pPr>
+                      <a:endParaRPr lang="es-MX" sz="1400" kern="1200" dirty="0">
+                        <a:solidFill>
+                          <a:schemeClr val="tx1">
+                            <a:lumMod val="65000"/>
+                            <a:lumOff val="35000"/>
+                          </a:schemeClr>
+                        </a:solidFill>
+                        <a:latin typeface="Arial Narrow" panose="020B0606020202030204" pitchFamily="34" charset="0"/>
+                        <a:ea typeface="+mn-ea"/>
+                        <a:cs typeface="+mn-cs"/>
+                      </a:endParaRPr>
+                    </a:p>
+                  </a:txBody>
+                  <a:tcPr marL="9525" marR="9525" marT="9525" marB="0" anchor="ctr">
+                    <a:lnL w="38100" cap="flat" cmpd="sng" algn="ctr">
+                      <a:solidFill>
+                        <a:schemeClr val="bg1"/>
+                      </a:solidFill>
+                      <a:prstDash val="solid"/>
+                      <a:round/>
+                      <a:headEnd type="none" w="med" len="med"/>
+                      <a:tailEnd type="none" w="med" len="med"/>
+                    </a:lnL>
+                    <a:lnR w="38100" cap="flat" cmpd="sng" algn="ctr">
+                      <a:solidFill>
+                        <a:schemeClr val="bg1"/>
+                      </a:solidFill>
+                      <a:prstDash val="solid"/>
+                      <a:round/>
+                      <a:headEnd type="none" w="med" len="med"/>
+                      <a:tailEnd type="none" w="med" len="med"/>
+                    </a:lnR>
+                    <a:lnT w="6350" cap="flat" cmpd="sng" algn="ctr">
+                      <a:solidFill>
+                        <a:schemeClr val="bg1">
+                          <a:lumMod val="75000"/>
+                        </a:schemeClr>
+                      </a:solidFill>
+                      <a:prstDash val="solid"/>
+                      <a:round/>
+                      <a:headEnd type="none" w="med" len="med"/>
+                      <a:tailEnd type="none" w="med" len="med"/>
+                    </a:lnT>
+                    <a:lnB w="38100" cap="flat" cmpd="sng" algn="ctr">
+                      <a:solidFill>
+                        <a:schemeClr val="bg1"/>
+                      </a:solidFill>
+                      <a:prstDash val="solid"/>
+                      <a:round/>
+                      <a:headEnd type="none" w="med" len="med"/>
+                      <a:tailEnd type="none" w="med" len="med"/>
+                    </a:lnB>
+                    <a:lnTlToBr w="12700" cmpd="sng">
+                      <a:noFill/>
+                      <a:prstDash val="solid"/>
+                    </a:lnTlToBr>
+                    <a:lnBlToTr w="12700" cmpd="sng">
+                      <a:noFill/>
+                      <a:prstDash val="solid"/>
+                    </a:lnBlToTr>
+                    <a:solidFill>
+                      <a:schemeClr val="bg1">
+                        <a:lumMod val="85000"/>
+                      </a:schemeClr>
+                    </a:solidFill>
+                  </a:tcPr>
+                </a:tc>
+                <a:tc>
+                  <a:txBody>
+                    <a:bodyPr/>
+                    <a:lstStyle/>
+                    <a:p>
+                      <a:pPr marL="0" marR="0" indent="0" algn="ctr" defTabSz="457200" rtl="0" eaLnBrk="1" fontAlgn="auto" latinLnBrk="0" hangingPunct="1">
+                        <a:lnSpc>
+                          <a:spcPct val="100000"/>
+                        </a:lnSpc>
+                        <a:spcBef>
+                          <a:spcPts val="0"/>
+                        </a:spcBef>
+                        <a:spcAft>
+                          <a:spcPts val="0"/>
+                        </a:spcAft>
+                        <a:buClrTx/>
+                        <a:buSzTx/>
+                        <a:buFontTx/>
+                        <a:buNone/>
+                        <a:tabLst/>
+                        <a:defRPr/>
+                      </a:pPr>
+                      <a:endParaRPr lang="es-MX" sz="1400" kern="1200" dirty="0">
+                        <a:solidFill>
+                          <a:schemeClr val="tx1">
+                            <a:lumMod val="65000"/>
+                            <a:lumOff val="35000"/>
+                          </a:schemeClr>
+                        </a:solidFill>
+                        <a:latin typeface="Arial Narrow" panose="020B0606020202030204" pitchFamily="34" charset="0"/>
+                        <a:ea typeface="+mn-ea"/>
+                        <a:cs typeface="+mn-cs"/>
+                      </a:endParaRPr>
+                    </a:p>
+                  </a:txBody>
+                  <a:tcPr marL="9525" marR="9525" marT="9525" marB="0" anchor="ctr">
+                    <a:lnL w="38100" cap="flat" cmpd="sng" algn="ctr">
+                      <a:solidFill>
+                        <a:schemeClr val="bg1"/>
+                      </a:solidFill>
+                      <a:prstDash val="solid"/>
+                      <a:round/>
+                      <a:headEnd type="none" w="med" len="med"/>
+                      <a:tailEnd type="none" w="med" len="med"/>
+                    </a:lnL>
+                    <a:lnR w="6350" cap="flat" cmpd="sng" algn="ctr">
+                      <a:noFill/>
+                      <a:prstDash val="solid"/>
+                      <a:round/>
+                      <a:headEnd type="none" w="med" len="med"/>
+                      <a:tailEnd type="none" w="med" len="med"/>
+                    </a:lnR>
+                    <a:lnT w="6350" cap="flat" cmpd="sng" algn="ctr">
+                      <a:solidFill>
+                        <a:schemeClr val="bg1">
+                          <a:lumMod val="75000"/>
+                        </a:schemeClr>
+                      </a:solidFill>
+                      <a:prstDash val="solid"/>
+                      <a:round/>
+                      <a:headEnd type="none" w="med" len="med"/>
+                      <a:tailEnd type="none" w="med" len="med"/>
+                    </a:lnT>
+                    <a:lnB w="38100" cap="flat" cmpd="sng" algn="ctr">
+                      <a:solidFill>
+                        <a:schemeClr val="bg1"/>
+                      </a:solidFill>
+                      <a:prstDash val="solid"/>
+                      <a:round/>
+                      <a:headEnd type="none" w="med" len="med"/>
+                      <a:tailEnd type="none" w="med" len="med"/>
+                    </a:lnB>
+                    <a:lnTlToBr w="12700" cmpd="sng">
+                      <a:noFill/>
+                      <a:prstDash val="solid"/>
+                    </a:lnTlToBr>
+                    <a:lnBlToTr w="12700" cmpd="sng">
+                      <a:noFill/>
+                      <a:prstDash val="solid"/>
+                    </a:lnBlToTr>
+                    <a:solidFill>
+                      <a:schemeClr val="bg1">
+                        <a:lumMod val="85000"/>
+                      </a:schemeClr>
+                    </a:solidFill>
+                  </a:tcPr>
+                </a:tc>
+              </a:tr>
+            </a:tbl>
+          </a:graphicData>
+        </a:graphic>
+      </p:graphicFrame>
+      <p:sp>
+        <p:nvSpPr>
+          <p:cNvPr id="2" name="Título 1"/>
+          <p:cNvSpPr>
+            <a:spLocks noGrp="1"/>
+          </p:cNvSpPr>
+          <p:nvPr>
+            <p:ph type="title"/>
+          </p:nvPr>
+        </p:nvSpPr>
+        <p:spPr/>
+        <p:txBody>
+          <a:bodyPr/>
+          <a:lstStyle/>
+          <a:p>
+            <a:endParaRPr lang="es-ES_tradnl" dirty="0">
+              <a:solidFill>
+                <a:schemeClr val="bg2">
+                  <a:lumMod val="25000"/>
+                </a:schemeClr>
+              </a:solidFill>
+            </a:endParaRPr>
+          </a:p>
+        </p:txBody>
+      </p:sp>
+      <p:sp>
+        <p:nvSpPr>
+          <p:cNvPr id="4" name="1 Título"/>
+          <p:cNvSpPr txBox="1">
+            <a:spLocks/>
+          </p:cNvSpPr>
+          <p:nvPr/>
+        </p:nvSpPr>
+        <p:spPr>
+          <a:xfrm>
+            <a:off x="6116545" y="1127227"/>
+            <a:ext cx="5523802" cy="872763"/>
+          </a:xfrm>
+          <a:prstGeom prst="rect">
+            <a:avLst/>
+          </a:prstGeom>
+        </p:spPr>
+        <p:txBody>
+          <a:bodyPr vert="horz" lIns="91440" tIns="45720" rIns="91440" bIns="45720" rtlCol="0" anchor="ctr">
+            <a:noAutofit/>
+          </a:bodyPr>
+          <a:lstStyle>
+            <a:lvl1pPr marL="0" marR="0" indent="0" algn="r" defTabSz="914400" rtl="0" eaLnBrk="1" fontAlgn="auto" latinLnBrk="0" hangingPunct="1">
+              <a:lnSpc>
+                <a:spcPct val="90000"/>
+              </a:lnSpc>
+              <a:spcBef>
+                <a:spcPct val="0"/>
+              </a:spcBef>
+              <a:spcAft>
+                <a:spcPts val="0"/>
+              </a:spcAft>
+              <a:buClrTx/>
+              <a:buSzTx/>
+              <a:buFontTx/>
+              <a:buNone/>
+              <a:tabLst/>
+              <a:defRPr sz="1400" kern="1200" baseline="0">
+                <a:solidFill>
+                  <a:schemeClr val="tx1"/>
+                </a:solidFill>
+                <a:latin typeface="Arial" charset="0"/>
+                <a:ea typeface="Arial" charset="0"/>
+                <a:cs typeface="Arial" charset="0"/>
+              </a:defRPr>
+            </a:lvl1pPr>
+          </a:lstStyle>
+          <a:p>
+            <a:pPr indent="723900">
+              <a:lnSpc>
+                <a:spcPct val="115000"/>
+              </a:lnSpc>
+            </a:pPr>
+            <a:r>
+              <a:rPr lang="es-MX" dirty="0" smtClean="0">
+                <a:solidFill>
+                  <a:schemeClr val="accent6">
+                    <a:lumMod val="50000"/>
+                  </a:schemeClr>
+                </a:solidFill>
+                <a:latin typeface="Arial Narrow" panose="020B0606020202030204" pitchFamily="34" charset="0"/>
+                <a:ea typeface="Calibri"/>
+                <a:cs typeface="Times New Roman"/>
+              </a:rPr>
+              <a:t>Inversi</a:t>
+            </a:r>
+            <a:r>
+              <a:rPr lang="es-MX" dirty="0" smtClean="0">
+                <a:solidFill>
+                  <a:schemeClr val="accent6">
+                    <a:lumMod val="50000"/>
+                  </a:schemeClr>
+                </a:solidFill>
+                <a:latin typeface="Arial Narrow" panose="020B0606020202030204" pitchFamily="34" charset="0"/>
+                <a:ea typeface="Calibri"/>
+                <a:cs typeface="Times New Roman"/>
+              </a:rPr>
+              <a:t>ó</a:t>
+            </a:r>
+            <a:r>
+              <a:rPr lang="es-MX" dirty="0" smtClean="0">
+                <a:solidFill>
+                  <a:schemeClr val="accent6">
+                    <a:lumMod val="50000"/>
+                  </a:schemeClr>
+                </a:solidFill>
+                <a:latin typeface="Arial Narrow" panose="020B0606020202030204" pitchFamily="34" charset="0"/>
+                <a:ea typeface="Calibri"/>
+                <a:cs typeface="Times New Roman"/>
+              </a:rPr>
+              <a:t>n de Avances </a:t>
+            </a:r>
+            <a:r>
+              <a:rPr lang="es-MX" dirty="0" smtClean="0">
+                <a:solidFill>
+                  <a:schemeClr val="accent6">
+                    <a:lumMod val="50000"/>
+                  </a:schemeClr>
+                </a:solidFill>
+                <a:latin typeface="Arial Narrow" panose="020B0606020202030204" pitchFamily="34" charset="0"/>
+                <a:ea typeface="Calibri"/>
+                <a:cs typeface="Times New Roman"/>
+              </a:rPr>
+              <a:t>y Metas</a:t>
+            </a:r>
+            <a:endParaRPr lang="es-MX" sz="1200" dirty="0">
+              <a:solidFill>
+                <a:schemeClr val="accent6">
+                  <a:lumMod val="50000"/>
+                </a:schemeClr>
+              </a:solidFill>
+              <a:latin typeface="Arial Narrow" panose="020B0606020202030204" pitchFamily="34" charset="0"/>
+              <a:ea typeface="Calibri"/>
+              <a:cs typeface="Times New Roman"/>
+            </a:endParaRPr>
+          </a:p>
+        </p:txBody>
+      </p:sp>
+      <p:sp>
+        <p:nvSpPr>
+          <p:cNvPr id="6" name="10 CuadroTexto"/>
+          <p:cNvSpPr txBox="1"/>
+          <p:nvPr/>
+        </p:nvSpPr>
+        <p:spPr>
+          <a:xfrm>
+            <a:off x="10755943" y="6341773"/>
+            <a:ext cx="1150883" cy="338554"/>
+          </a:xfrm>
+          <a:prstGeom prst="rect">
+            <a:avLst/>
+          </a:prstGeom>
+          <a:noFill/>
+        </p:spPr>
+        <p:txBody>
+          <a:bodyPr wrap="square" rtlCol="0">
+            <a:spAutoFit/>
+          </a:bodyPr>
+          <a:lstStyle/>
+          <a:p>
+            <a:pPr algn="r"/>
+            <a:r>
+              <a:rPr lang="es-MX" sz="1600" b="1" dirty="0">
+                <a:solidFill>
+                  <a:srgbClr val="008040"/>
+                </a:solidFill>
+                <a:latin typeface="Arial Narrow" panose="020B0606020202030204" pitchFamily="34" charset="0"/>
+              </a:rPr>
+              <a:t>1</a:t>
+            </a:r>
+            <a:r>
+              <a:rPr lang="es-MX" sz="1600" b="1" dirty="0" smtClean="0">
+                <a:solidFill>
+                  <a:srgbClr val="008040"/>
+                </a:solidFill>
+                <a:latin typeface="Arial Narrow" panose="020B0606020202030204" pitchFamily="34" charset="0"/>
+              </a:rPr>
+              <a:t> / 1</a:t>
+            </a:r>
+            <a:endParaRPr lang="es-MX" sz="1600" b="1" dirty="0">
+              <a:solidFill>
+                <a:srgbClr val="008040"/>
+              </a:solidFill>
+              <a:latin typeface="Arial Narrow" panose="020B0606020202030204" pitchFamily="34" charset="0"/>
+            </a:endParaRPr>
+          </a:p>
+        </p:txBody>
+      </p:sp>
+      <p:sp>
+        <p:nvSpPr>
+          <p:cNvPr id="8" name="CuadroTexto 7"/>
+          <p:cNvSpPr txBox="1"/>
+          <p:nvPr/>
+        </p:nvSpPr>
+        <p:spPr>
+          <a:xfrm>
+            <a:off x="513184" y="1222311"/>
+            <a:ext cx="2548133" cy="523220"/>
+          </a:xfrm>
+          <a:prstGeom prst="rect">
+            <a:avLst/>
+          </a:prstGeom>
+          <a:noFill/>
+        </p:spPr>
+        <p:txBody>
+          <a:bodyPr wrap="none" rtlCol="0">
+            <a:spAutoFit/>
+          </a:bodyPr>
+          <a:lstStyle/>
+          <a:p>
+            <a:r>
+              <a:rPr lang="es-MX" sz="2800" dirty="0" smtClean="0">
+                <a:solidFill>
+                  <a:schemeClr val="accent2">
+                    <a:lumMod val="75000"/>
+                  </a:schemeClr>
+                </a:solidFill>
+              </a:rPr>
+              <a:t>Balance General</a:t>
+            </a:r>
+            <a:endParaRPr lang="es-MX" sz="2800" dirty="0">
+              <a:solidFill>
+                <a:schemeClr val="accent2">
+                  <a:lumMod val="75000"/>
+                </a:schemeClr>
+              </a:solidFill>
+            </a:endParaRPr>
+          </a:p>
+        </p:txBody>
+      </p:sp>
+    </p:spTree>
+    <p:extLst>
+      <p:ext uri="{BB962C8B-B14F-4D97-AF65-F5344CB8AC3E}">
+        <p14:creationId xmlns:p14="http://schemas.microsoft.com/office/powerpoint/2010/main" val="1421012992"/>
       </p:ext>
     </p:extLst>
   </p:cSld>
@@ -5386,7 +8381,7 @@
     </a:clrScheme>
     <a:fontScheme name="Office">
       <a:majorFont>
-        <a:latin typeface="Calibri Light" panose="020F0302020204030204"/>
+        <a:latin typeface="Calibri Light"/>
         <a:ea typeface=""/>
         <a:cs typeface=""/>
         <a:font script="Jpan" typeface="Yu Gothic Light"/>
@@ -5421,7 +8416,7 @@
         <a:font script="Geor" typeface="Sylfaen"/>
       </a:majorFont>
       <a:minorFont>
-        <a:latin typeface="Calibri" panose="020F0502020204030204"/>
+        <a:latin typeface="Calibri"/>
         <a:ea typeface=""/>
         <a:cs typeface=""/>
         <a:font script="Jpan" typeface="Yu Gothic"/>
@@ -5598,7 +8593,7 @@
   <a:extraClrSchemeLst/>
   <a:extLst>
     <a:ext uri="{05A4C25C-085E-4340-85A3-A5531E510DB2}">
-      <thm15:themeFamily xmlns:thm15="http://schemas.microsoft.com/office/thememl/2012/main" name="Office Theme" id="{62F939B6-93AF-4DB8-9C6B-D6C7DFDC589F}" vid="{4A3C46E8-61CC-4603-A589-7422A47A8E4A}"/>
+      <thm15:themeFamily xmlns="" xmlns:thm15="http://schemas.microsoft.com/office/thememl/2012/main" name="Office Theme" id="{62F939B6-93AF-4DB8-9C6B-D6C7DFDC589F}" vid="{4A3C46E8-61CC-4603-A589-7422A47A8E4A}"/>
     </a:ext>
   </a:extLst>
 </a:theme>

--- a/djangoISSSTE/static/ppt/balance_general.pptx
+++ b/djangoISSSTE/static/ppt/balance_general.pptx
@@ -5,8 +5,8 @@
     <p:sldMasterId id="2147483648" r:id="rId1"/>
   </p:sldMasterIdLst>
   <p:sldIdLst>
-    <p:sldId id="257" r:id="rId2"/>
-    <p:sldId id="258" r:id="rId3"/>
+    <p:sldId id="256" r:id="rId2"/>
+    <p:sldId id="257" r:id="rId3"/>
   </p:sldIdLst>
   <p:sldSz cx="12192000" cy="6858000"/>
   <p:notesSz cx="6858000" cy="9144000"/>
@@ -580,7 +580,7 @@
           <a:p>
             <a:fld id="{02329761-4139-EC4D-8014-1F5D651A2AAB}" type="datetimeFigureOut">
               <a:rPr lang="es-ES_tradnl" smtClean="0"/>
-              <a:t>16/05/16</a:t>
+              <a:t>23/05/16</a:t>
             </a:fld>
             <a:endParaRPr lang="es-ES_tradnl"/>
           </a:p>
@@ -776,7 +776,7 @@
           <a:p>
             <a:fld id="{02329761-4139-EC4D-8014-1F5D651A2AAB}" type="datetimeFigureOut">
               <a:rPr lang="es-ES_tradnl" smtClean="0"/>
-              <a:t>16/05/16</a:t>
+              <a:t>23/05/16</a:t>
             </a:fld>
             <a:endParaRPr lang="es-ES_tradnl"/>
           </a:p>
@@ -1340,7 +1340,7 @@
           <a:p>
             <a:fld id="{02329761-4139-EC4D-8014-1F5D651A2AAB}" type="datetimeFigureOut">
               <a:rPr lang="es-ES_tradnl" smtClean="0"/>
-              <a:t>16/05/16</a:t>
+              <a:t>23/05/16</a:t>
             </a:fld>
             <a:endParaRPr lang="es-ES_tradnl"/>
           </a:p>
@@ -1588,7 +1588,7 @@
           <a:p>
             <a:fld id="{02329761-4139-EC4D-8014-1F5D651A2AAB}" type="datetimeFigureOut">
               <a:rPr lang="es-ES_tradnl" smtClean="0"/>
-              <a:t>16/05/16</a:t>
+              <a:t>23/05/16</a:t>
             </a:fld>
             <a:endParaRPr lang="es-ES_tradnl"/>
           </a:p>
@@ -1971,7 +1971,7 @@
           <a:p>
             <a:fld id="{02329761-4139-EC4D-8014-1F5D651A2AAB}" type="datetimeFigureOut">
               <a:rPr lang="es-ES_tradnl" smtClean="0"/>
-              <a:t>16/05/16</a:t>
+              <a:t>23/05/16</a:t>
             </a:fld>
             <a:endParaRPr lang="es-ES_tradnl"/>
           </a:p>
@@ -2105,7 +2105,7 @@
           <a:p>
             <a:fld id="{02329761-4139-EC4D-8014-1F5D651A2AAB}" type="datetimeFigureOut">
               <a:rPr lang="es-ES_tradnl" smtClean="0"/>
-              <a:t>16/05/16</a:t>
+              <a:t>23/05/16</a:t>
             </a:fld>
             <a:endParaRPr lang="es-ES_tradnl"/>
           </a:p>
@@ -2216,7 +2216,7 @@
           <a:p>
             <a:fld id="{02329761-4139-EC4D-8014-1F5D651A2AAB}" type="datetimeFigureOut">
               <a:rPr lang="es-ES_tradnl" smtClean="0"/>
-              <a:t>16/05/16</a:t>
+              <a:t>23/05/16</a:t>
             </a:fld>
             <a:endParaRPr lang="es-ES_tradnl"/>
           </a:p>
@@ -2509,7 +2509,7 @@
           <a:p>
             <a:fld id="{02329761-4139-EC4D-8014-1F5D651A2AAB}" type="datetimeFigureOut">
               <a:rPr lang="es-ES_tradnl" smtClean="0"/>
-              <a:t>16/05/16</a:t>
+              <a:t>23/05/16</a:t>
             </a:fld>
             <a:endParaRPr lang="es-ES_tradnl"/>
           </a:p>
@@ -2778,7 +2778,7 @@
           <a:p>
             <a:fld id="{02329761-4139-EC4D-8014-1F5D651A2AAB}" type="datetimeFigureOut">
               <a:rPr lang="es-ES_tradnl" smtClean="0"/>
-              <a:t>16/05/16</a:t>
+              <a:t>23/05/16</a:t>
             </a:fld>
             <a:endParaRPr lang="es-ES_tradnl"/>
           </a:p>
@@ -2935,39 +2935,6 @@
           </a:ln>
         </p:spPr>
       </p:pic>
-      <p:pic>
-        <p:nvPicPr>
-          <p:cNvPr id="7" name="Imagen 6" descr="/Users/jess/Dropbox/ISSSTE/propuestas de header/header_003.fw.png"/>
-          <p:cNvPicPr/>
-          <p:nvPr userDrawn="1"/>
-        </p:nvPicPr>
-        <p:blipFill>
-          <a:blip r:embed="rId15" cstate="print">
-            <a:extLst>
-              <a:ext uri="{28A0092B-C50C-407E-A947-70E740481C1C}">
-                <a14:useLocalDpi xmlns:a14="http://schemas.microsoft.com/office/drawing/2010/main" val="0"/>
-              </a:ext>
-            </a:extLst>
-          </a:blip>
-          <a:srcRect/>
-          <a:stretch>
-            <a:fillRect/>
-          </a:stretch>
-        </p:blipFill>
-        <p:spPr bwMode="auto">
-          <a:xfrm>
-            <a:off x="0" y="-53573"/>
-            <a:ext cx="12192000" cy="813970"/>
-          </a:xfrm>
-          <a:prstGeom prst="rect">
-            <a:avLst/>
-          </a:prstGeom>
-          <a:noFill/>
-          <a:ln>
-            <a:noFill/>
-          </a:ln>
-        </p:spPr>
-      </p:pic>
       <p:sp>
         <p:nvSpPr>
           <p:cNvPr id="2" name="Marcador de título 1"/>
@@ -3163,7 +3130,7 @@
           <p:nvPr userDrawn="1"/>
         </p:nvPicPr>
         <p:blipFill>
-          <a:blip r:embed="rId16">
+          <a:blip r:embed="rId15">
             <a:extLst>
               <a:ext uri="{28A0092B-C50C-407E-A947-70E740481C1C}">
                 <a14:useLocalDpi xmlns:a14="http://schemas.microsoft.com/office/drawing/2010/main" val="0"/>
@@ -3177,7 +3144,7 @@
         </p:blipFill>
         <p:spPr bwMode="auto">
           <a:xfrm>
-            <a:off x="257490" y="28201"/>
+            <a:off x="257490" y="60859"/>
             <a:ext cx="1069975" cy="405130"/>
           </a:xfrm>
           <a:prstGeom prst="rect">
@@ -3254,6 +3221,47 @@
           </a:p>
         </p:txBody>
       </p:sp>
+      <p:pic>
+        <p:nvPicPr>
+          <p:cNvPr id="1026" name="Picture 2" descr="C:\Users\Pam\Dropbox\ISSSTE_share\Imagenes\001_gradienteMenu.fw.png"/>
+          <p:cNvPicPr>
+            <a:picLocks noChangeAspect="1" noChangeArrowheads="1"/>
+          </p:cNvPicPr>
+          <p:nvPr userDrawn="1"/>
+        </p:nvPicPr>
+        <p:blipFill>
+          <a:blip r:embed="rId16">
+            <a:extLst>
+              <a:ext uri="{28A0092B-C50C-407E-A947-70E740481C1C}">
+                <a14:useLocalDpi xmlns:a14="http://schemas.microsoft.com/office/drawing/2010/main" val="0"/>
+              </a:ext>
+            </a:extLst>
+          </a:blip>
+          <a:srcRect/>
+          <a:stretch>
+            <a:fillRect/>
+          </a:stretch>
+        </p:blipFill>
+        <p:spPr bwMode="auto">
+          <a:xfrm>
+            <a:off x="0" y="532114"/>
+            <a:ext cx="12192000" cy="381000"/>
+          </a:xfrm>
+          <a:prstGeom prst="rect">
+            <a:avLst/>
+          </a:prstGeom>
+          <a:noFill/>
+          <a:extLst>
+            <a:ext uri="{909E8E84-426E-40dd-AFC4-6F175D3DCCD1}">
+              <a14:hiddenFill xmlns:a14="http://schemas.microsoft.com/office/drawing/2010/main">
+                <a:solidFill>
+                  <a:srgbClr val="FFFFFF"/>
+                </a:solidFill>
+              </a14:hiddenFill>
+            </a:ext>
+          </a:extLst>
+        </p:spPr>
+      </p:pic>
     </p:spTree>
     <p:extLst>
       <p:ext uri="{BB962C8B-B14F-4D97-AF65-F5344CB8AC3E}">
@@ -3584,7 +3592,7 @@
           <p:nvPr>
             <p:extLst>
               <p:ext uri="{D42A27DB-BD31-4B8C-83A1-F6EECF244321}">
-                <p14:modId xmlns:p14="http://schemas.microsoft.com/office/powerpoint/2010/main" val="2459639120"/>
+                <p14:modId xmlns:p14="http://schemas.microsoft.com/office/powerpoint/2010/main" val="2527197951"/>
               </p:ext>
             </p:extLst>
           </p:nvPr>
@@ -5802,20 +5810,7 @@
                 <a:ea typeface="Calibri"/>
                 <a:cs typeface="Times New Roman"/>
               </a:rPr>
-              <a:t>Unidades de Avances </a:t>
-            </a:r>
-            <a:r>
-              <a:rPr lang="es-MX" dirty="0" smtClean="0">
-                <a:solidFill>
-                  <a:schemeClr val="accent6">
-                    <a:lumMod val="50000"/>
-                  </a:schemeClr>
-                </a:solidFill>
-                <a:latin typeface="Arial Narrow" panose="020B0606020202030204" pitchFamily="34" charset="0"/>
-                <a:ea typeface="Calibri"/>
-                <a:cs typeface="Times New Roman"/>
-              </a:rPr>
-              <a:t>y Metas</a:t>
+              <a:t>Unidades de Avances y Metas</a:t>
             </a:r>
             <a:endParaRPr lang="es-MX" sz="1200" dirty="0">
               <a:solidFill>
@@ -5925,7 +5920,7 @@
     </p:spTree>
     <p:extLst>
       <p:ext uri="{BB962C8B-B14F-4D97-AF65-F5344CB8AC3E}">
-        <p14:creationId xmlns:p14="http://schemas.microsoft.com/office/powerpoint/2010/main" val="2097948831"/>
+        <p14:creationId xmlns:p14="http://schemas.microsoft.com/office/powerpoint/2010/main" val="538256855"/>
       </p:ext>
     </p:extLst>
   </p:cSld>
@@ -5961,7 +5956,7 @@
           <p:nvPr>
             <p:extLst>
               <p:ext uri="{D42A27DB-BD31-4B8C-83A1-F6EECF244321}">
-                <p14:modId xmlns:p14="http://schemas.microsoft.com/office/powerpoint/2010/main" val="4264095499"/>
+                <p14:modId xmlns:p14="http://schemas.microsoft.com/office/powerpoint/2010/main" val="1279384920"/>
               </p:ext>
             </p:extLst>
           </p:nvPr>
@@ -8179,46 +8174,7 @@
                 <a:ea typeface="Calibri"/>
                 <a:cs typeface="Times New Roman"/>
               </a:rPr>
-              <a:t>Inversi</a:t>
-            </a:r>
-            <a:r>
-              <a:rPr lang="es-MX" dirty="0" smtClean="0">
-                <a:solidFill>
-                  <a:schemeClr val="accent6">
-                    <a:lumMod val="50000"/>
-                  </a:schemeClr>
-                </a:solidFill>
-                <a:latin typeface="Arial Narrow" panose="020B0606020202030204" pitchFamily="34" charset="0"/>
-                <a:ea typeface="Calibri"/>
-                <a:cs typeface="Times New Roman"/>
-              </a:rPr>
-              <a:t>ó</a:t>
-            </a:r>
-            <a:r>
-              <a:rPr lang="es-MX" dirty="0" smtClean="0">
-                <a:solidFill>
-                  <a:schemeClr val="accent6">
-                    <a:lumMod val="50000"/>
-                  </a:schemeClr>
-                </a:solidFill>
-                <a:latin typeface="Arial Narrow" panose="020B0606020202030204" pitchFamily="34" charset="0"/>
-                <a:ea typeface="Calibri"/>
-                <a:cs typeface="Times New Roman"/>
-              </a:rPr>
-              <a:t>n de Avances </a:t>
-            </a:r>
-            <a:r>
-              <a:rPr lang="es-MX" dirty="0" smtClean="0">
-                <a:solidFill>
-                  <a:schemeClr val="accent6">
-                    <a:lumMod val="50000"/>
-                  </a:schemeClr>
-                </a:solidFill>
-                <a:latin typeface="Arial Narrow" panose="020B0606020202030204" pitchFamily="34" charset="0"/>
-                <a:ea typeface="Calibri"/>
-                <a:cs typeface="Times New Roman"/>
-              </a:rPr>
-              <a:t>y Metas</a:t>
+              <a:t>Inversión de Avances y Metas</a:t>
             </a:r>
             <a:endParaRPr lang="es-MX" sz="1200" dirty="0">
               <a:solidFill>
@@ -8328,7 +8284,7 @@
     </p:spTree>
     <p:extLst>
       <p:ext uri="{BB962C8B-B14F-4D97-AF65-F5344CB8AC3E}">
-        <p14:creationId xmlns:p14="http://schemas.microsoft.com/office/powerpoint/2010/main" val="1421012992"/>
+        <p14:creationId xmlns:p14="http://schemas.microsoft.com/office/powerpoint/2010/main" val="1864944001"/>
       </p:ext>
     </p:extLst>
   </p:cSld>
